--- a/Präsentationen/Vorlage.pptx
+++ b/Präsentationen/Vorlage.pptx
@@ -5,13 +5,15 @@
     <p:sldMasterId id="2147483779" r:id="rId6"/>
   </p:sldMasterIdLst>
   <p:notesMasterIdLst>
-    <p:notesMasterId r:id="rId11"/>
+    <p:notesMasterId r:id="rId13"/>
   </p:notesMasterIdLst>
   <p:sldIdLst>
     <p:sldId id="275" r:id="rId7"/>
     <p:sldId id="274" r:id="rId8"/>
     <p:sldId id="289" r:id="rId9"/>
-    <p:sldId id="314" r:id="rId10"/>
+    <p:sldId id="315" r:id="rId10"/>
+    <p:sldId id="316" r:id="rId11"/>
+    <p:sldId id="314" r:id="rId12"/>
   </p:sldIdLst>
   <p:sldSz cx="12192000" cy="6858000"/>
   <p:notesSz cx="6794500" cy="9931400"/>
@@ -156,6 +158,8 @@
         <p14:section name="Inhalt" id="{9143C095-ADCB-48C6-BBF9-4399ACA44AAA}">
           <p14:sldIdLst>
             <p14:sldId id="289"/>
+            <p14:sldId id="315"/>
+            <p14:sldId id="316"/>
             <p14:sldId id="314"/>
           </p14:sldIdLst>
         </p14:section>
@@ -289,7 +293,7 @@
           <a:p>
             <a:fld id="{B2255D82-92B1-4EBA-AF01-9D30101EF318}" type="datetimeFigureOut">
               <a:rPr lang="de-DE" smtClean="0"/>
-              <a:t>28.05.2020</a:t>
+              <a:t>02.07.2020</a:t>
             </a:fld>
             <a:endParaRPr lang="de-DE"/>
           </a:p>
@@ -3762,7 +3766,7 @@
           <a:graphicData uri="http://schemas.openxmlformats.org/presentationml/2006/ole">
             <mc:AlternateContent xmlns:mc="http://schemas.openxmlformats.org/markup-compatibility/2006">
               <mc:Choice xmlns:v="urn:schemas-microsoft-com:vml" Requires="v">
-                <p:oleObj spid="_x0000_s11328" name="think-cell Folie" r:id="rId4" imgW="270" imgH="270" progId="TCLayout.ActiveDocument.1">
+                <p:oleObj spid="_x0000_s11330" name="think-cell Folie" r:id="rId4" imgW="270" imgH="270" progId="TCLayout.ActiveDocument.1">
                   <p:embed/>
                 </p:oleObj>
               </mc:Choice>
@@ -6490,7 +6494,7 @@
           <a:graphicData uri="http://schemas.openxmlformats.org/presentationml/2006/ole">
             <mc:AlternateContent xmlns:mc="http://schemas.openxmlformats.org/markup-compatibility/2006">
               <mc:Choice xmlns:v="urn:schemas-microsoft-com:vml" Requires="v">
-                <p:oleObj spid="_x0000_s12352" name="think-cell Folie" r:id="rId4" imgW="270" imgH="270" progId="TCLayout.ActiveDocument.1">
+                <p:oleObj spid="_x0000_s12354" name="think-cell Folie" r:id="rId4" imgW="270" imgH="270" progId="TCLayout.ActiveDocument.1">
                   <p:embed/>
                 </p:oleObj>
               </mc:Choice>
@@ -9484,21 +9488,343 @@
           <a:chExt cx="0" cy="0"/>
         </a:xfrm>
       </p:grpSpPr>
+      <p:sp>
+        <p:nvSpPr>
+          <p:cNvPr id="48" name="Rechteck 47">
+            <a:extLst>
+              <a:ext uri="{FF2B5EF4-FFF2-40B4-BE49-F238E27FC236}">
+                <a16:creationId xmlns:a16="http://schemas.microsoft.com/office/drawing/2014/main" id="{4764B283-ED2E-43B0-8A68-C2D657AE282F}"/>
+              </a:ext>
+            </a:extLst>
+          </p:cNvPr>
+          <p:cNvSpPr/>
+          <p:nvPr/>
+        </p:nvSpPr>
+        <p:spPr>
+          <a:xfrm>
+            <a:off x="8551335" y="4676283"/>
+            <a:ext cx="2281962" cy="1192522"/>
+          </a:xfrm>
+          <a:prstGeom prst="rect">
+            <a:avLst/>
+          </a:prstGeom>
+          <a:ln w="50800"/>
+        </p:spPr>
+        <p:style>
+          <a:lnRef idx="2">
+            <a:schemeClr val="accent6"/>
+          </a:lnRef>
+          <a:fillRef idx="1">
+            <a:schemeClr val="lt1"/>
+          </a:fillRef>
+          <a:effectRef idx="0">
+            <a:schemeClr val="accent6"/>
+          </a:effectRef>
+          <a:fontRef idx="minor">
+            <a:schemeClr val="dk1"/>
+          </a:fontRef>
+        </p:style>
+        <p:txBody>
+          <a:bodyPr rtlCol="0" anchor="ctr"/>
+          <a:lstStyle/>
+          <a:p>
+            <a:pPr algn="ctr"/>
+            <a:endParaRPr lang="de-DE"/>
+          </a:p>
+        </p:txBody>
+      </p:sp>
+      <p:sp>
+        <p:nvSpPr>
+          <p:cNvPr id="37" name="Rechteck 36">
+            <a:extLst>
+              <a:ext uri="{FF2B5EF4-FFF2-40B4-BE49-F238E27FC236}">
+                <a16:creationId xmlns:a16="http://schemas.microsoft.com/office/drawing/2014/main" id="{DAAAC9FD-5E85-46A2-B264-A12A0D7E6BF6}"/>
+              </a:ext>
+            </a:extLst>
+          </p:cNvPr>
+          <p:cNvSpPr/>
+          <p:nvPr/>
+        </p:nvSpPr>
+        <p:spPr>
+          <a:xfrm>
+            <a:off x="441873" y="4617156"/>
+            <a:ext cx="2404534" cy="1524975"/>
+          </a:xfrm>
+          <a:prstGeom prst="rect">
+            <a:avLst/>
+          </a:prstGeom>
+          <a:ln w="50800"/>
+        </p:spPr>
+        <p:style>
+          <a:lnRef idx="2">
+            <a:schemeClr val="accent6"/>
+          </a:lnRef>
+          <a:fillRef idx="1">
+            <a:schemeClr val="lt1"/>
+          </a:fillRef>
+          <a:effectRef idx="0">
+            <a:schemeClr val="accent6"/>
+          </a:effectRef>
+          <a:fontRef idx="minor">
+            <a:schemeClr val="dk1"/>
+          </a:fontRef>
+        </p:style>
+        <p:txBody>
+          <a:bodyPr rtlCol="0" anchor="ctr"/>
+          <a:lstStyle/>
+          <a:p>
+            <a:pPr algn="ctr"/>
+            <a:endParaRPr lang="de-DE"/>
+          </a:p>
+        </p:txBody>
+      </p:sp>
+      <p:sp>
+        <p:nvSpPr>
+          <p:cNvPr id="36" name="Rechteck 35">
+            <a:extLst>
+              <a:ext uri="{FF2B5EF4-FFF2-40B4-BE49-F238E27FC236}">
+                <a16:creationId xmlns:a16="http://schemas.microsoft.com/office/drawing/2014/main" id="{EB80DDFC-A8C0-4D03-A799-43DBDD5C7D0F}"/>
+              </a:ext>
+            </a:extLst>
+          </p:cNvPr>
+          <p:cNvSpPr/>
+          <p:nvPr/>
+        </p:nvSpPr>
+        <p:spPr>
+          <a:xfrm>
+            <a:off x="8428762" y="948267"/>
+            <a:ext cx="2404534" cy="2480734"/>
+          </a:xfrm>
+          <a:prstGeom prst="rect">
+            <a:avLst/>
+          </a:prstGeom>
+          <a:ln w="50800"/>
+        </p:spPr>
+        <p:style>
+          <a:lnRef idx="2">
+            <a:schemeClr val="accent6"/>
+          </a:lnRef>
+          <a:fillRef idx="1">
+            <a:schemeClr val="lt1"/>
+          </a:fillRef>
+          <a:effectRef idx="0">
+            <a:schemeClr val="accent6"/>
+          </a:effectRef>
+          <a:fontRef idx="minor">
+            <a:schemeClr val="dk1"/>
+          </a:fontRef>
+        </p:style>
+        <p:txBody>
+          <a:bodyPr rtlCol="0" anchor="ctr"/>
+          <a:lstStyle/>
+          <a:p>
+            <a:pPr algn="ctr"/>
+            <a:endParaRPr lang="de-DE"/>
+          </a:p>
+        </p:txBody>
+      </p:sp>
+      <p:sp>
+        <p:nvSpPr>
+          <p:cNvPr id="35" name="Rechteck 34">
+            <a:extLst>
+              <a:ext uri="{FF2B5EF4-FFF2-40B4-BE49-F238E27FC236}">
+                <a16:creationId xmlns:a16="http://schemas.microsoft.com/office/drawing/2014/main" id="{7508E6FE-F374-4396-BDF7-9F624EFB144E}"/>
+              </a:ext>
+            </a:extLst>
+          </p:cNvPr>
+          <p:cNvSpPr/>
+          <p:nvPr/>
+        </p:nvSpPr>
+        <p:spPr>
+          <a:xfrm>
+            <a:off x="4015868" y="791871"/>
+            <a:ext cx="2404534" cy="2882503"/>
+          </a:xfrm>
+          <a:prstGeom prst="rect">
+            <a:avLst/>
+          </a:prstGeom>
+          <a:ln w="50800"/>
+        </p:spPr>
+        <p:style>
+          <a:lnRef idx="2">
+            <a:schemeClr val="accent6"/>
+          </a:lnRef>
+          <a:fillRef idx="1">
+            <a:schemeClr val="lt1"/>
+          </a:fillRef>
+          <a:effectRef idx="0">
+            <a:schemeClr val="accent6"/>
+          </a:effectRef>
+          <a:fontRef idx="minor">
+            <a:schemeClr val="dk1"/>
+          </a:fontRef>
+        </p:style>
+        <p:txBody>
+          <a:bodyPr rtlCol="0" anchor="ctr"/>
+          <a:lstStyle/>
+          <a:p>
+            <a:pPr algn="ctr"/>
+            <a:endParaRPr lang="de-DE"/>
+          </a:p>
+        </p:txBody>
+      </p:sp>
+      <p:sp>
+        <p:nvSpPr>
+          <p:cNvPr id="18" name="Rechteck 17">
+            <a:extLst>
+              <a:ext uri="{FF2B5EF4-FFF2-40B4-BE49-F238E27FC236}">
+                <a16:creationId xmlns:a16="http://schemas.microsoft.com/office/drawing/2014/main" id="{76475366-ED02-4330-B845-F535D375E6F3}"/>
+              </a:ext>
+            </a:extLst>
+          </p:cNvPr>
+          <p:cNvSpPr/>
+          <p:nvPr/>
+        </p:nvSpPr>
+        <p:spPr>
+          <a:xfrm>
+            <a:off x="462844" y="869244"/>
+            <a:ext cx="2404534" cy="1739474"/>
+          </a:xfrm>
+          <a:prstGeom prst="rect">
+            <a:avLst/>
+          </a:prstGeom>
+          <a:ln w="50800"/>
+        </p:spPr>
+        <p:style>
+          <a:lnRef idx="2">
+            <a:schemeClr val="accent6"/>
+          </a:lnRef>
+          <a:fillRef idx="1">
+            <a:schemeClr val="lt1"/>
+          </a:fillRef>
+          <a:effectRef idx="0">
+            <a:schemeClr val="accent6"/>
+          </a:effectRef>
+          <a:fontRef idx="minor">
+            <a:schemeClr val="dk1"/>
+          </a:fontRef>
+        </p:style>
+        <p:txBody>
+          <a:bodyPr rtlCol="0" anchor="ctr"/>
+          <a:lstStyle/>
+          <a:p>
+            <a:pPr algn="ctr"/>
+            <a:endParaRPr lang="de-DE"/>
+          </a:p>
+        </p:txBody>
+      </p:sp>
+      <p:sp>
+        <p:nvSpPr>
+          <p:cNvPr id="2" name="Titel 1"/>
+          <p:cNvSpPr>
+            <a:spLocks noGrp="1"/>
+          </p:cNvSpPr>
+          <p:nvPr>
+            <p:ph type="title"/>
+          </p:nvPr>
+        </p:nvSpPr>
+        <p:spPr/>
+        <p:txBody>
+          <a:bodyPr/>
+          <a:lstStyle/>
+          <a:p>
+            <a:r>
+              <a:rPr lang="de-DE" dirty="0"/>
+              <a:t>Kausalkette zur Einbindung von </a:t>
+            </a:r>
+            <a:r>
+              <a:rPr lang="de-DE" dirty="0" err="1"/>
+              <a:t>Tensorflow</a:t>
+            </a:r>
+            <a:r>
+              <a:rPr lang="de-DE" dirty="0"/>
+              <a:t> Lite</a:t>
+            </a:r>
+          </a:p>
+        </p:txBody>
+      </p:sp>
+      <p:sp>
+        <p:nvSpPr>
+          <p:cNvPr id="6" name="Fußzeilenplatzhalter 5"/>
+          <p:cNvSpPr>
+            <a:spLocks noGrp="1"/>
+          </p:cNvSpPr>
+          <p:nvPr>
+            <p:ph type="ftr" sz="quarter" idx="3"/>
+          </p:nvPr>
+        </p:nvSpPr>
+        <p:spPr/>
+        <p:txBody>
+          <a:bodyPr/>
+          <a:lstStyle/>
+          <a:p>
+            <a:r>
+              <a:rPr lang="de-DE" dirty="0"/>
+              <a:t>Informationen zur Modeling Guideline</a:t>
+            </a:r>
+          </a:p>
+        </p:txBody>
+      </p:sp>
+      <p:sp>
+        <p:nvSpPr>
+          <p:cNvPr id="7" name="Foliennummernplatzhalter 6"/>
+          <p:cNvSpPr>
+            <a:spLocks noGrp="1"/>
+          </p:cNvSpPr>
+          <p:nvPr>
+            <p:ph type="sldNum" sz="quarter" idx="4"/>
+          </p:nvPr>
+        </p:nvSpPr>
+        <p:spPr/>
+        <p:txBody>
+          <a:bodyPr/>
+          <a:lstStyle/>
+          <a:p>
+            <a:fld id="{369A084B-84B6-4F15-B0F5-CCDC4176846B}" type="slidenum">
+              <a:rPr lang="de-DE" smtClean="0"/>
+              <a:pPr/>
+              <a:t>3</a:t>
+            </a:fld>
+            <a:endParaRPr lang="de-DE" dirty="0"/>
+          </a:p>
+        </p:txBody>
+      </p:sp>
+      <p:sp>
+        <p:nvSpPr>
+          <p:cNvPr id="9" name="Datumsplatzhalter 8"/>
+          <p:cNvSpPr>
+            <a:spLocks noGrp="1"/>
+          </p:cNvSpPr>
+          <p:nvPr>
+            <p:ph type="dt" sz="half" idx="2"/>
+          </p:nvPr>
+        </p:nvSpPr>
+        <p:spPr/>
+        <p:txBody>
+          <a:bodyPr/>
+          <a:lstStyle/>
+          <a:p>
+            <a:r>
+              <a:rPr lang="de-DE"/>
+              <a:t>10.2019</a:t>
+            </a:r>
+            <a:endParaRPr lang="de-DE" dirty="0"/>
+          </a:p>
+        </p:txBody>
+      </p:sp>
       <p:pic>
         <p:nvPicPr>
-          <p:cNvPr id="5" name="Inhaltsplatzhalter 4" descr="Ein Bild, das Person, Gebäude, draußen, Mann enthält.&#10;&#10;Automatisch generierte Beschreibung">
+          <p:cNvPr id="16" name="Grafik 15" descr="Ein Bild, das Elektronik, Schaltkreis enthält.&#10;&#10;Automatisch generierte Beschreibung">
             <a:extLst>
               <a:ext uri="{FF2B5EF4-FFF2-40B4-BE49-F238E27FC236}">
-                <a16:creationId xmlns:a16="http://schemas.microsoft.com/office/drawing/2014/main" id="{41F0125B-FB27-4F80-A94B-919EC4563566}"/>
+                <a16:creationId xmlns:a16="http://schemas.microsoft.com/office/drawing/2014/main" id="{D5B1FEAD-2A56-49D5-B7C1-7C2B1BFBD6C6}"/>
               </a:ext>
             </a:extLst>
           </p:cNvPr>
           <p:cNvPicPr>
-            <a:picLocks noGrp="1" noChangeAspect="1"/>
+            <a:picLocks noChangeAspect="1"/>
           </p:cNvPicPr>
-          <p:nvPr>
-            <p:ph sz="quarter" idx="13"/>
-          </p:nvPr>
+          <p:nvPr/>
         </p:nvPicPr>
         <p:blipFill>
           <a:blip r:embed="rId2">
@@ -9514,323 +9840,20 @@
         </p:blipFill>
         <p:spPr>
           <a:xfrm>
-            <a:off x="5939484" y="938320"/>
-            <a:ext cx="5599469" cy="5473700"/>
-          </a:xfrm>
+            <a:off x="773308" y="1042570"/>
+            <a:ext cx="1783605" cy="1087564"/>
+          </a:xfrm>
+          <a:prstGeom prst="rect">
+            <a:avLst/>
+          </a:prstGeom>
         </p:spPr>
       </p:pic>
       <p:sp>
         <p:nvSpPr>
-          <p:cNvPr id="2" name="Titel 1"/>
-          <p:cNvSpPr>
-            <a:spLocks noGrp="1"/>
-          </p:cNvSpPr>
-          <p:nvPr>
-            <p:ph type="title"/>
-          </p:nvPr>
-        </p:nvSpPr>
-        <p:spPr/>
-        <p:txBody>
-          <a:bodyPr/>
-          <a:lstStyle/>
-          <a:p>
-            <a:r>
-              <a:rPr lang="de-DE"/>
-              <a:t>Personenerkennung</a:t>
-            </a:r>
-            <a:endParaRPr lang="de-DE" dirty="0"/>
-          </a:p>
-        </p:txBody>
-      </p:sp>
-      <p:sp>
-        <p:nvSpPr>
-          <p:cNvPr id="6" name="Fußzeilenplatzhalter 5"/>
-          <p:cNvSpPr>
-            <a:spLocks noGrp="1"/>
-          </p:cNvSpPr>
-          <p:nvPr>
-            <p:ph type="ftr" sz="quarter" idx="3"/>
-          </p:nvPr>
-        </p:nvSpPr>
-        <p:spPr/>
-        <p:txBody>
-          <a:bodyPr/>
-          <a:lstStyle/>
-          <a:p>
-            <a:r>
-              <a:rPr lang="de-DE" dirty="0"/>
-              <a:t>Informationen zur Modeling Guideline</a:t>
-            </a:r>
-          </a:p>
-        </p:txBody>
-      </p:sp>
-      <p:sp>
-        <p:nvSpPr>
-          <p:cNvPr id="7" name="Foliennummernplatzhalter 6"/>
-          <p:cNvSpPr>
-            <a:spLocks noGrp="1"/>
-          </p:cNvSpPr>
-          <p:nvPr>
-            <p:ph type="sldNum" sz="quarter" idx="4"/>
-          </p:nvPr>
-        </p:nvSpPr>
-        <p:spPr/>
-        <p:txBody>
-          <a:bodyPr/>
-          <a:lstStyle/>
-          <a:p>
-            <a:fld id="{369A084B-84B6-4F15-B0F5-CCDC4176846B}" type="slidenum">
-              <a:rPr lang="de-DE" smtClean="0"/>
-              <a:pPr/>
-              <a:t>3</a:t>
-            </a:fld>
-            <a:endParaRPr lang="de-DE" dirty="0"/>
-          </a:p>
-        </p:txBody>
-      </p:sp>
-      <p:sp>
-        <p:nvSpPr>
-          <p:cNvPr id="9" name="Datumsplatzhalter 8"/>
-          <p:cNvSpPr>
-            <a:spLocks noGrp="1"/>
-          </p:cNvSpPr>
-          <p:nvPr>
-            <p:ph type="dt" sz="half" idx="2"/>
-          </p:nvPr>
-        </p:nvSpPr>
-        <p:spPr/>
-        <p:txBody>
-          <a:bodyPr/>
-          <a:lstStyle/>
-          <a:p>
-            <a:r>
-              <a:rPr lang="de-DE"/>
-              <a:t>10.2019</a:t>
-            </a:r>
-            <a:endParaRPr lang="de-DE" dirty="0"/>
-          </a:p>
-        </p:txBody>
-      </p:sp>
-      <p:sp>
-        <p:nvSpPr>
-          <p:cNvPr id="8" name="Rechteck 7">
+          <p:cNvPr id="17" name="Textfeld 16">
             <a:extLst>
               <a:ext uri="{FF2B5EF4-FFF2-40B4-BE49-F238E27FC236}">
-                <a16:creationId xmlns:a16="http://schemas.microsoft.com/office/drawing/2014/main" id="{00E41AC7-8E05-4F3D-B90D-C2B506A33532}"/>
-              </a:ext>
-            </a:extLst>
-          </p:cNvPr>
-          <p:cNvSpPr/>
-          <p:nvPr/>
-        </p:nvSpPr>
-        <p:spPr>
-          <a:xfrm>
-            <a:off x="6993590" y="1129120"/>
-            <a:ext cx="1589906" cy="5282900"/>
-          </a:xfrm>
-          <a:prstGeom prst="rect">
-            <a:avLst/>
-          </a:prstGeom>
-          <a:noFill/>
-          <a:ln w="57150">
-            <a:solidFill>
-              <a:schemeClr val="accent5">
-                <a:lumMod val="60000"/>
-                <a:lumOff val="40000"/>
-              </a:schemeClr>
-            </a:solidFill>
-          </a:ln>
-        </p:spPr>
-        <p:style>
-          <a:lnRef idx="2">
-            <a:schemeClr val="accent1">
-              <a:shade val="50000"/>
-            </a:schemeClr>
-          </a:lnRef>
-          <a:fillRef idx="1">
-            <a:schemeClr val="accent1"/>
-          </a:fillRef>
-          <a:effectRef idx="0">
-            <a:schemeClr val="accent1"/>
-          </a:effectRef>
-          <a:fontRef idx="minor">
-            <a:schemeClr val="lt1"/>
-          </a:fontRef>
-        </p:style>
-        <p:txBody>
-          <a:bodyPr rtlCol="0" anchor="ctr"/>
-          <a:lstStyle/>
-          <a:p>
-            <a:pPr algn="ctr"/>
-            <a:endParaRPr lang="de-DE"/>
-          </a:p>
-        </p:txBody>
-      </p:sp>
-      <p:sp>
-        <p:nvSpPr>
-          <p:cNvPr id="10" name="Rechteck 9">
-            <a:extLst>
-              <a:ext uri="{FF2B5EF4-FFF2-40B4-BE49-F238E27FC236}">
-                <a16:creationId xmlns:a16="http://schemas.microsoft.com/office/drawing/2014/main" id="{A1CD9145-EED6-4021-BD1D-E5A6453162DC}"/>
-              </a:ext>
-            </a:extLst>
-          </p:cNvPr>
-          <p:cNvSpPr/>
-          <p:nvPr/>
-        </p:nvSpPr>
-        <p:spPr>
-          <a:xfrm>
-            <a:off x="8896530" y="1048007"/>
-            <a:ext cx="1729947" cy="5282900"/>
-          </a:xfrm>
-          <a:prstGeom prst="rect">
-            <a:avLst/>
-          </a:prstGeom>
-          <a:noFill/>
-          <a:ln w="57150">
-            <a:solidFill>
-              <a:schemeClr val="accent5">
-                <a:lumMod val="60000"/>
-                <a:lumOff val="40000"/>
-              </a:schemeClr>
-            </a:solidFill>
-          </a:ln>
-        </p:spPr>
-        <p:style>
-          <a:lnRef idx="2">
-            <a:schemeClr val="accent1">
-              <a:shade val="50000"/>
-            </a:schemeClr>
-          </a:lnRef>
-          <a:fillRef idx="1">
-            <a:schemeClr val="accent1"/>
-          </a:fillRef>
-          <a:effectRef idx="0">
-            <a:schemeClr val="accent1"/>
-          </a:effectRef>
-          <a:fontRef idx="minor">
-            <a:schemeClr val="lt1"/>
-          </a:fontRef>
-        </p:style>
-        <p:txBody>
-          <a:bodyPr rtlCol="0" anchor="ctr"/>
-          <a:lstStyle/>
-          <a:p>
-            <a:pPr algn="ctr"/>
-            <a:endParaRPr lang="de-DE"/>
-          </a:p>
-        </p:txBody>
-      </p:sp>
-      <p:sp>
-        <p:nvSpPr>
-          <p:cNvPr id="11" name="Rechteck 10">
-            <a:extLst>
-              <a:ext uri="{FF2B5EF4-FFF2-40B4-BE49-F238E27FC236}">
-                <a16:creationId xmlns:a16="http://schemas.microsoft.com/office/drawing/2014/main" id="{8563A84D-5AA7-4D6E-B24E-C07268E6C81F}"/>
-              </a:ext>
-            </a:extLst>
-          </p:cNvPr>
-          <p:cNvSpPr/>
-          <p:nvPr/>
-        </p:nvSpPr>
-        <p:spPr>
-          <a:xfrm>
-            <a:off x="7191298" y="1281520"/>
-            <a:ext cx="1186249" cy="1046205"/>
-          </a:xfrm>
-          <a:prstGeom prst="rect">
-            <a:avLst/>
-          </a:prstGeom>
-          <a:noFill/>
-          <a:ln w="57150">
-            <a:solidFill>
-              <a:srgbClr val="FF0000"/>
-            </a:solidFill>
-          </a:ln>
-        </p:spPr>
-        <p:style>
-          <a:lnRef idx="2">
-            <a:schemeClr val="accent1">
-              <a:shade val="50000"/>
-            </a:schemeClr>
-          </a:lnRef>
-          <a:fillRef idx="1">
-            <a:schemeClr val="accent1"/>
-          </a:fillRef>
-          <a:effectRef idx="0">
-            <a:schemeClr val="accent1"/>
-          </a:effectRef>
-          <a:fontRef idx="minor">
-            <a:schemeClr val="lt1"/>
-          </a:fontRef>
-        </p:style>
-        <p:txBody>
-          <a:bodyPr rtlCol="0" anchor="ctr"/>
-          <a:lstStyle/>
-          <a:p>
-            <a:pPr algn="ctr"/>
-            <a:endParaRPr lang="de-DE"/>
-          </a:p>
-        </p:txBody>
-      </p:sp>
-      <p:sp>
-        <p:nvSpPr>
-          <p:cNvPr id="12" name="Rechteck 11">
-            <a:extLst>
-              <a:ext uri="{FF2B5EF4-FFF2-40B4-BE49-F238E27FC236}">
-                <a16:creationId xmlns:a16="http://schemas.microsoft.com/office/drawing/2014/main" id="{EBAB331B-06C4-44A8-B7EF-D1D68511FD75}"/>
-              </a:ext>
-            </a:extLst>
-          </p:cNvPr>
-          <p:cNvSpPr/>
-          <p:nvPr/>
-        </p:nvSpPr>
-        <p:spPr>
-          <a:xfrm>
-            <a:off x="9124168" y="1281520"/>
-            <a:ext cx="1305698" cy="980303"/>
-          </a:xfrm>
-          <a:prstGeom prst="rect">
-            <a:avLst/>
-          </a:prstGeom>
-          <a:noFill/>
-          <a:ln w="57150">
-            <a:solidFill>
-              <a:srgbClr val="FF0000"/>
-            </a:solidFill>
-          </a:ln>
-        </p:spPr>
-        <p:style>
-          <a:lnRef idx="2">
-            <a:schemeClr val="accent1">
-              <a:shade val="50000"/>
-            </a:schemeClr>
-          </a:lnRef>
-          <a:fillRef idx="1">
-            <a:schemeClr val="accent1"/>
-          </a:fillRef>
-          <a:effectRef idx="0">
-            <a:schemeClr val="accent1"/>
-          </a:effectRef>
-          <a:fontRef idx="minor">
-            <a:schemeClr val="lt1"/>
-          </a:fontRef>
-        </p:style>
-        <p:txBody>
-          <a:bodyPr rtlCol="0" anchor="ctr"/>
-          <a:lstStyle/>
-          <a:p>
-            <a:pPr algn="ctr"/>
-            <a:endParaRPr lang="de-DE"/>
-          </a:p>
-        </p:txBody>
-      </p:sp>
-      <p:sp>
-        <p:nvSpPr>
-          <p:cNvPr id="13" name="Textfeld 12">
-            <a:extLst>
-              <a:ext uri="{FF2B5EF4-FFF2-40B4-BE49-F238E27FC236}">
-                <a16:creationId xmlns:a16="http://schemas.microsoft.com/office/drawing/2014/main" id="{F03275DE-A909-410B-87E0-39E1A7F8F79F}"/>
+                <a16:creationId xmlns:a16="http://schemas.microsoft.com/office/drawing/2014/main" id="{BE391E98-4E5A-4C2B-A2BA-3A0FE1206F3E}"/>
               </a:ext>
             </a:extLst>
           </p:cNvPr>
@@ -9839,8 +9862,8 @@
         </p:nvSpPr>
         <p:spPr>
           <a:xfrm>
-            <a:off x="360000" y="912812"/>
-            <a:ext cx="5266450" cy="5355312"/>
+            <a:off x="988640" y="2155512"/>
+            <a:ext cx="1352939" cy="461665"/>
           </a:xfrm>
           <a:prstGeom prst="rect">
             <a:avLst/>
@@ -9853,124 +9876,24 @@
           </a:bodyPr>
           <a:lstStyle/>
           <a:p>
-            <a:pPr marL="228600" indent="-228600">
-              <a:buFont typeface="+mj-lt"/>
-              <a:buAutoNum type="arabicPeriod"/>
-            </a:pPr>
-            <a:r>
-              <a:rPr lang="de-DE" sz="1800" dirty="0" err="1"/>
-              <a:t>Bboxen</a:t>
-            </a:r>
-            <a:r>
-              <a:rPr lang="de-DE" sz="1800" dirty="0"/>
-              <a:t> der Personen werden erstellt.</a:t>
-            </a:r>
-          </a:p>
-          <a:p>
-            <a:pPr marL="228600" indent="-228600">
-              <a:buFont typeface="+mj-lt"/>
-              <a:buAutoNum type="arabicPeriod"/>
-            </a:pPr>
-            <a:r>
-              <a:rPr lang="de-DE" sz="1800" dirty="0"/>
-              <a:t>Da HOG nicht ausschließlich Personen erkennt wird eine kleine ROI oben in der jeweiligen </a:t>
-            </a:r>
-            <a:r>
-              <a:rPr lang="de-DE" sz="1800" dirty="0" err="1"/>
-              <a:t>Bbox</a:t>
-            </a:r>
-            <a:r>
-              <a:rPr lang="de-DE" sz="1800" dirty="0"/>
-              <a:t> erstellt für die Erfassung des Gesichts.</a:t>
-            </a:r>
-          </a:p>
-          <a:p>
-            <a:pPr marL="228600" indent="-228600">
-              <a:buFont typeface="+mj-lt"/>
-              <a:buAutoNum type="arabicPeriod"/>
-            </a:pPr>
-            <a:r>
-              <a:rPr lang="de-DE" sz="1800" dirty="0"/>
-              <a:t>Sobald ein Gesicht erkannt wurde wird ein Objekt vom Typ Person erstellt.</a:t>
-            </a:r>
-          </a:p>
-          <a:p>
-            <a:pPr marL="228600" indent="-228600">
-              <a:buFont typeface="+mj-lt"/>
-              <a:buAutoNum type="arabicPeriod"/>
-            </a:pPr>
-            <a:r>
-              <a:rPr lang="de-DE" sz="1800" dirty="0"/>
-              <a:t>Anhand abgespeicherter (während Laufzeit oder vorher) Gesichter wird geprüft, ob es diese Person schon gibt.</a:t>
-            </a:r>
-          </a:p>
-          <a:p>
-            <a:pPr marL="228600" indent="-228600">
-              <a:buFont typeface="+mj-lt"/>
-              <a:buAutoNum type="arabicPeriod"/>
-            </a:pPr>
-            <a:r>
-              <a:rPr lang="de-DE" sz="1800" dirty="0"/>
-              <a:t>Wenn nicht, wird eine neue Person erstellt.</a:t>
-            </a:r>
-          </a:p>
-          <a:p>
-            <a:pPr marL="228600" indent="-228600">
-              <a:buFont typeface="+mj-lt"/>
-              <a:buAutoNum type="arabicPeriod"/>
-            </a:pPr>
-            <a:r>
-              <a:rPr lang="de-DE" sz="1800" dirty="0"/>
-              <a:t>Wenn ja, werden die Attribute der jeweiligen Person aktualisiert.</a:t>
-            </a:r>
-          </a:p>
-          <a:p>
-            <a:pPr marL="228600" indent="-228600">
-              <a:buFont typeface="+mj-lt"/>
-              <a:buAutoNum type="arabicPeriod"/>
-            </a:pPr>
-            <a:r>
-              <a:rPr lang="de-DE" sz="1800" dirty="0"/>
-              <a:t>Der Standort der letzten Person wird veröffentlicht.</a:t>
-            </a:r>
-          </a:p>
-          <a:p>
-            <a:pPr marL="228600" indent="-228600">
-              <a:buFont typeface="+mj-lt"/>
-              <a:buAutoNum type="arabicPeriod"/>
-            </a:pPr>
-            <a:endParaRPr lang="de-DE" sz="1800" dirty="0"/>
-          </a:p>
-          <a:p>
-            <a:r>
-              <a:rPr lang="de-DE" sz="1800" dirty="0"/>
-              <a:t>Ein Objekt vom Typ Person hat z.Z. folgende Attribute: </a:t>
-            </a:r>
-            <a:r>
-              <a:rPr lang="de-DE" sz="1800" dirty="0" err="1"/>
-              <a:t>BboxKörper</a:t>
-            </a:r>
-            <a:r>
-              <a:rPr lang="de-DE" sz="1800" dirty="0"/>
-              <a:t>, </a:t>
-            </a:r>
-            <a:r>
-              <a:rPr lang="de-DE" sz="1800" dirty="0" err="1"/>
-              <a:t>Bboxgesicht</a:t>
-            </a:r>
-            <a:r>
-              <a:rPr lang="de-DE" sz="1800" dirty="0"/>
-              <a:t>, Gesicht, Kameraname, Distanz, Liste mit Pixelkoordinaten, Liste mit lokalen Koordinaten</a:t>
+            <a:pPr algn="ctr"/>
+            <a:r>
+              <a:rPr lang="de-DE" b="1" dirty="0">
+                <a:solidFill>
+                  <a:schemeClr val="tx2"/>
+                </a:solidFill>
+              </a:rPr>
+              <a:t>Knoten Kinect2Bridge</a:t>
             </a:r>
           </a:p>
         </p:txBody>
       </p:sp>
       <p:cxnSp>
         <p:nvCxnSpPr>
-          <p:cNvPr id="15" name="Gerade Verbindung mit Pfeil 14">
+          <p:cNvPr id="20" name="Gerade Verbindung mit Pfeil 19">
             <a:extLst>
               <a:ext uri="{FF2B5EF4-FFF2-40B4-BE49-F238E27FC236}">
-                <a16:creationId xmlns:a16="http://schemas.microsoft.com/office/drawing/2014/main" id="{53818407-1896-4E23-B49D-20F024E5C565}"/>
+                <a16:creationId xmlns:a16="http://schemas.microsoft.com/office/drawing/2014/main" id="{B17328A3-A700-4116-B5EA-E9CDB7C413A6}"/>
               </a:ext>
             </a:extLst>
           </p:cNvPr>
@@ -9981,16 +9904,314 @@
         </p:nvCxnSpPr>
         <p:spPr>
           <a:xfrm>
-            <a:off x="4769708" y="1129120"/>
-            <a:ext cx="2215641" cy="347512"/>
+            <a:off x="2867378" y="1885244"/>
+            <a:ext cx="1148490" cy="0"/>
           </a:xfrm>
           <a:prstGeom prst="straightConnector1">
             <a:avLst/>
           </a:prstGeom>
-          <a:ln w="57150">
-            <a:solidFill>
-              <a:schemeClr val="accent1"/>
-            </a:solidFill>
+          <a:ln w="44450">
+            <a:tailEnd type="triangle"/>
+          </a:ln>
+        </p:spPr>
+        <p:style>
+          <a:lnRef idx="1">
+            <a:schemeClr val="accent1"/>
+          </a:lnRef>
+          <a:fillRef idx="0">
+            <a:schemeClr val="accent1"/>
+          </a:fillRef>
+          <a:effectRef idx="0">
+            <a:schemeClr val="accent1"/>
+          </a:effectRef>
+          <a:fontRef idx="minor">
+            <a:schemeClr val="tx1"/>
+          </a:fontRef>
+        </p:style>
+      </p:cxnSp>
+      <p:pic>
+        <p:nvPicPr>
+          <p:cNvPr id="25" name="Grafik 24" descr="Ein Bild, das Text enthält.&#10;&#10;Automatisch generierte Beschreibung">
+            <a:extLst>
+              <a:ext uri="{FF2B5EF4-FFF2-40B4-BE49-F238E27FC236}">
+                <a16:creationId xmlns:a16="http://schemas.microsoft.com/office/drawing/2014/main" id="{EE756C98-E661-4498-AE55-C33D3E6E4AB5}"/>
+              </a:ext>
+            </a:extLst>
+          </p:cNvPr>
+          <p:cNvPicPr>
+            <a:picLocks noChangeAspect="1"/>
+          </p:cNvPicPr>
+          <p:nvPr/>
+        </p:nvPicPr>
+        <p:blipFill>
+          <a:blip r:embed="rId3" cstate="print">
+            <a:extLst>
+              <a:ext uri="{28A0092B-C50C-407E-A947-70E740481C1C}">
+                <a14:useLocalDpi xmlns:a14="http://schemas.microsoft.com/office/drawing/2010/main" val="0"/>
+              </a:ext>
+            </a:extLst>
+          </a:blip>
+          <a:stretch>
+            <a:fillRect/>
+          </a:stretch>
+        </p:blipFill>
+        <p:spPr>
+          <a:xfrm>
+            <a:off x="4154311" y="838799"/>
+            <a:ext cx="2136812" cy="1769919"/>
+          </a:xfrm>
+          <a:prstGeom prst="rect">
+            <a:avLst/>
+          </a:prstGeom>
+        </p:spPr>
+      </p:pic>
+      <p:pic>
+        <p:nvPicPr>
+          <p:cNvPr id="29" name="Grafik 28" descr="Ein Bild, das Zeichnung enthält.&#10;&#10;Automatisch generierte Beschreibung">
+            <a:extLst>
+              <a:ext uri="{FF2B5EF4-FFF2-40B4-BE49-F238E27FC236}">
+                <a16:creationId xmlns:a16="http://schemas.microsoft.com/office/drawing/2014/main" id="{03C729B0-47A9-4243-A586-0F1216A5387C}"/>
+              </a:ext>
+            </a:extLst>
+          </p:cNvPr>
+          <p:cNvPicPr>
+            <a:picLocks noChangeAspect="1"/>
+          </p:cNvPicPr>
+          <p:nvPr/>
+        </p:nvPicPr>
+        <p:blipFill>
+          <a:blip r:embed="rId4">
+            <a:extLst>
+              <a:ext uri="{28A0092B-C50C-407E-A947-70E740481C1C}">
+                <a14:useLocalDpi xmlns:a14="http://schemas.microsoft.com/office/drawing/2010/main" val="0"/>
+              </a:ext>
+            </a:extLst>
+          </a:blip>
+          <a:stretch>
+            <a:fillRect/>
+          </a:stretch>
+        </p:blipFill>
+        <p:spPr>
+          <a:xfrm>
+            <a:off x="8551334" y="1127692"/>
+            <a:ext cx="2143125" cy="2143125"/>
+          </a:xfrm>
+          <a:prstGeom prst="rect">
+            <a:avLst/>
+          </a:prstGeom>
+        </p:spPr>
+      </p:pic>
+      <p:pic>
+        <p:nvPicPr>
+          <p:cNvPr id="31" name="Grafik 30" descr="Ein Bild, das Zeichnung enthält.&#10;&#10;Automatisch generierte Beschreibung">
+            <a:extLst>
+              <a:ext uri="{FF2B5EF4-FFF2-40B4-BE49-F238E27FC236}">
+                <a16:creationId xmlns:a16="http://schemas.microsoft.com/office/drawing/2014/main" id="{03BC0947-D283-4CB6-B7A1-83BE4CC2A5AE}"/>
+              </a:ext>
+            </a:extLst>
+          </p:cNvPr>
+          <p:cNvPicPr>
+            <a:picLocks noChangeAspect="1"/>
+          </p:cNvPicPr>
+          <p:nvPr/>
+        </p:nvPicPr>
+        <p:blipFill>
+          <a:blip r:embed="rId5" cstate="print">
+            <a:extLst>
+              <a:ext uri="{28A0092B-C50C-407E-A947-70E740481C1C}">
+                <a14:useLocalDpi xmlns:a14="http://schemas.microsoft.com/office/drawing/2010/main" val="0"/>
+              </a:ext>
+            </a:extLst>
+          </a:blip>
+          <a:stretch>
+            <a:fillRect/>
+          </a:stretch>
+        </p:blipFill>
+        <p:spPr>
+          <a:xfrm>
+            <a:off x="4154312" y="2599194"/>
+            <a:ext cx="2136812" cy="997179"/>
+          </a:xfrm>
+          <a:prstGeom prst="rect">
+            <a:avLst/>
+          </a:prstGeom>
+        </p:spPr>
+      </p:pic>
+      <p:pic>
+        <p:nvPicPr>
+          <p:cNvPr id="33" name="Grafik 32" descr="Ein Bild, das Schild, Zeichnung enthält.&#10;&#10;Automatisch generierte Beschreibung">
+            <a:extLst>
+              <a:ext uri="{FF2B5EF4-FFF2-40B4-BE49-F238E27FC236}">
+                <a16:creationId xmlns:a16="http://schemas.microsoft.com/office/drawing/2014/main" id="{50A65939-FF52-4AF4-BB9C-8C1D2C4B3653}"/>
+              </a:ext>
+            </a:extLst>
+          </p:cNvPr>
+          <p:cNvPicPr>
+            <a:picLocks noChangeAspect="1"/>
+          </p:cNvPicPr>
+          <p:nvPr/>
+        </p:nvPicPr>
+        <p:blipFill>
+          <a:blip r:embed="rId6" cstate="print">
+            <a:extLst>
+              <a:ext uri="{28A0092B-C50C-407E-A947-70E740481C1C}">
+                <a14:useLocalDpi xmlns:a14="http://schemas.microsoft.com/office/drawing/2010/main" val="0"/>
+              </a:ext>
+            </a:extLst>
+          </a:blip>
+          <a:stretch>
+            <a:fillRect/>
+          </a:stretch>
+        </p:blipFill>
+        <p:spPr>
+          <a:xfrm>
+            <a:off x="309575" y="4511373"/>
+            <a:ext cx="2711067" cy="1524975"/>
+          </a:xfrm>
+          <a:prstGeom prst="rect">
+            <a:avLst/>
+          </a:prstGeom>
+        </p:spPr>
+      </p:pic>
+      <p:pic>
+        <p:nvPicPr>
+          <p:cNvPr id="34" name="Grafik 33" descr="Ein Bild, das Zeichnung enthält.&#10;&#10;Automatisch generierte Beschreibung">
+            <a:extLst>
+              <a:ext uri="{FF2B5EF4-FFF2-40B4-BE49-F238E27FC236}">
+                <a16:creationId xmlns:a16="http://schemas.microsoft.com/office/drawing/2014/main" id="{AEA224A5-0E9E-4717-8822-5B24633596F9}"/>
+              </a:ext>
+            </a:extLst>
+          </p:cNvPr>
+          <p:cNvPicPr>
+            <a:picLocks noChangeAspect="1"/>
+          </p:cNvPicPr>
+          <p:nvPr/>
+        </p:nvPicPr>
+        <p:blipFill>
+          <a:blip r:embed="rId5" cstate="print">
+            <a:extLst>
+              <a:ext uri="{28A0092B-C50C-407E-A947-70E740481C1C}">
+                <a14:useLocalDpi xmlns:a14="http://schemas.microsoft.com/office/drawing/2010/main" val="0"/>
+              </a:ext>
+            </a:extLst>
+          </a:blip>
+          <a:stretch>
+            <a:fillRect/>
+          </a:stretch>
+        </p:blipFill>
+        <p:spPr>
+          <a:xfrm>
+            <a:off x="8623910" y="4773954"/>
+            <a:ext cx="2136812" cy="997179"/>
+          </a:xfrm>
+          <a:prstGeom prst="rect">
+            <a:avLst/>
+          </a:prstGeom>
+        </p:spPr>
+      </p:pic>
+      <p:sp>
+        <p:nvSpPr>
+          <p:cNvPr id="38" name="Textfeld 37">
+            <a:extLst>
+              <a:ext uri="{FF2B5EF4-FFF2-40B4-BE49-F238E27FC236}">
+                <a16:creationId xmlns:a16="http://schemas.microsoft.com/office/drawing/2014/main" id="{5C468FC6-DBD5-4ED3-8E18-5520BB94DE39}"/>
+              </a:ext>
+            </a:extLst>
+          </p:cNvPr>
+          <p:cNvSpPr txBox="1"/>
+          <p:nvPr/>
+        </p:nvSpPr>
+        <p:spPr>
+          <a:xfrm>
+            <a:off x="4541298" y="3212709"/>
+            <a:ext cx="1352939" cy="276999"/>
+          </a:xfrm>
+          <a:prstGeom prst="rect">
+            <a:avLst/>
+          </a:prstGeom>
+          <a:noFill/>
+        </p:spPr>
+        <p:txBody>
+          <a:bodyPr wrap="square" rtlCol="0">
+            <a:spAutoFit/>
+          </a:bodyPr>
+          <a:lstStyle/>
+          <a:p>
+            <a:pPr algn="ctr"/>
+            <a:r>
+              <a:rPr lang="de-DE" b="1" dirty="0">
+                <a:solidFill>
+                  <a:schemeClr val="tx2"/>
+                </a:solidFill>
+              </a:rPr>
+              <a:t>2.7</a:t>
+            </a:r>
+          </a:p>
+        </p:txBody>
+      </p:sp>
+      <p:sp>
+        <p:nvSpPr>
+          <p:cNvPr id="39" name="Textfeld 38">
+            <a:extLst>
+              <a:ext uri="{FF2B5EF4-FFF2-40B4-BE49-F238E27FC236}">
+                <a16:creationId xmlns:a16="http://schemas.microsoft.com/office/drawing/2014/main" id="{9679E607-6CEC-4C33-B391-CA67DD467188}"/>
+              </a:ext>
+            </a:extLst>
+          </p:cNvPr>
+          <p:cNvSpPr txBox="1"/>
+          <p:nvPr/>
+        </p:nvSpPr>
+        <p:spPr>
+          <a:xfrm>
+            <a:off x="9015846" y="5542970"/>
+            <a:ext cx="1352939" cy="276999"/>
+          </a:xfrm>
+          <a:prstGeom prst="rect">
+            <a:avLst/>
+          </a:prstGeom>
+          <a:noFill/>
+        </p:spPr>
+        <p:txBody>
+          <a:bodyPr wrap="square" rtlCol="0">
+            <a:spAutoFit/>
+          </a:bodyPr>
+          <a:lstStyle/>
+          <a:p>
+            <a:pPr algn="ctr"/>
+            <a:r>
+              <a:rPr lang="de-DE" b="1" dirty="0">
+                <a:solidFill>
+                  <a:schemeClr val="tx2"/>
+                </a:solidFill>
+              </a:rPr>
+              <a:t>3.5</a:t>
+            </a:r>
+          </a:p>
+        </p:txBody>
+      </p:sp>
+      <p:cxnSp>
+        <p:nvCxnSpPr>
+          <p:cNvPr id="40" name="Gerade Verbindung mit Pfeil 39">
+            <a:extLst>
+              <a:ext uri="{FF2B5EF4-FFF2-40B4-BE49-F238E27FC236}">
+                <a16:creationId xmlns:a16="http://schemas.microsoft.com/office/drawing/2014/main" id="{FEFB0824-A5C4-4E59-A1DA-4322D0F0D756}"/>
+              </a:ext>
+            </a:extLst>
+          </p:cNvPr>
+          <p:cNvCxnSpPr>
+            <a:cxnSpLocks/>
+          </p:cNvCxnSpPr>
+          <p:nvPr/>
+        </p:nvCxnSpPr>
+        <p:spPr>
+          <a:xfrm flipV="1">
+            <a:off x="2846407" y="3674374"/>
+            <a:ext cx="1169461" cy="942783"/>
+          </a:xfrm>
+          <a:prstGeom prst="straightConnector1">
+            <a:avLst/>
+          </a:prstGeom>
+          <a:ln w="44450">
             <a:tailEnd type="triangle"/>
           </a:ln>
         </p:spPr>
@@ -10011,10 +10232,10 @@
       </p:cxnSp>
       <p:cxnSp>
         <p:nvCxnSpPr>
-          <p:cNvPr id="21" name="Gerade Verbindung mit Pfeil 20">
+          <p:cNvPr id="45" name="Gerade Verbindung mit Pfeil 44">
             <a:extLst>
               <a:ext uri="{FF2B5EF4-FFF2-40B4-BE49-F238E27FC236}">
-                <a16:creationId xmlns:a16="http://schemas.microsoft.com/office/drawing/2014/main" id="{1457408D-683F-492E-A624-DADD1BE2A53B}"/>
+                <a16:creationId xmlns:a16="http://schemas.microsoft.com/office/drawing/2014/main" id="{927125F3-D69D-4381-A6D6-F0C885C73FE9}"/>
               </a:ext>
             </a:extLst>
           </p:cNvPr>
@@ -10025,13 +10246,13 @@
         </p:nvCxnSpPr>
         <p:spPr>
           <a:xfrm>
-            <a:off x="5198411" y="1919952"/>
-            <a:ext cx="1992887" cy="53548"/>
+            <a:off x="6420402" y="2369410"/>
+            <a:ext cx="2008360" cy="0"/>
           </a:xfrm>
           <a:prstGeom prst="straightConnector1">
             <a:avLst/>
           </a:prstGeom>
-          <a:ln w="57150">
+          <a:ln w="44450">
             <a:tailEnd type="triangle"/>
           </a:ln>
         </p:spPr>
@@ -10050,6 +10271,224 @@
           </a:fontRef>
         </p:style>
       </p:cxnSp>
+      <p:cxnSp>
+        <p:nvCxnSpPr>
+          <p:cNvPr id="47" name="Gerade Verbindung mit Pfeil 46">
+            <a:extLst>
+              <a:ext uri="{FF2B5EF4-FFF2-40B4-BE49-F238E27FC236}">
+                <a16:creationId xmlns:a16="http://schemas.microsoft.com/office/drawing/2014/main" id="{29BC9646-CB04-4A7B-BC9D-D3338CA9D577}"/>
+              </a:ext>
+            </a:extLst>
+          </p:cNvPr>
+          <p:cNvCxnSpPr>
+            <a:cxnSpLocks/>
+            <a:stCxn id="48" idx="1"/>
+          </p:cNvCxnSpPr>
+          <p:nvPr/>
+        </p:nvCxnSpPr>
+        <p:spPr>
+          <a:xfrm flipH="1" flipV="1">
+            <a:off x="2846407" y="5272543"/>
+            <a:ext cx="5704928" cy="1"/>
+          </a:xfrm>
+          <a:prstGeom prst="straightConnector1">
+            <a:avLst/>
+          </a:prstGeom>
+          <a:ln w="44450">
+            <a:tailEnd type="triangle"/>
+          </a:ln>
+        </p:spPr>
+        <p:style>
+          <a:lnRef idx="1">
+            <a:schemeClr val="accent1"/>
+          </a:lnRef>
+          <a:fillRef idx="0">
+            <a:schemeClr val="accent1"/>
+          </a:fillRef>
+          <a:effectRef idx="0">
+            <a:schemeClr val="accent1"/>
+          </a:effectRef>
+          <a:fontRef idx="minor">
+            <a:schemeClr val="tx1"/>
+          </a:fontRef>
+        </p:style>
+      </p:cxnSp>
+      <p:sp>
+        <p:nvSpPr>
+          <p:cNvPr id="52" name="Multiplikationszeichen 51">
+            <a:extLst>
+              <a:ext uri="{FF2B5EF4-FFF2-40B4-BE49-F238E27FC236}">
+                <a16:creationId xmlns:a16="http://schemas.microsoft.com/office/drawing/2014/main" id="{F31CB056-228A-4BCC-B491-E09A6F387FEA}"/>
+              </a:ext>
+            </a:extLst>
+          </p:cNvPr>
+          <p:cNvSpPr/>
+          <p:nvPr/>
+        </p:nvSpPr>
+        <p:spPr>
+          <a:xfrm rot="19421506">
+            <a:off x="2976711" y="3727622"/>
+            <a:ext cx="831885" cy="902031"/>
+          </a:xfrm>
+          <a:prstGeom prst="mathMultiply">
+            <a:avLst/>
+          </a:prstGeom>
+          <a:solidFill>
+            <a:schemeClr val="accent6"/>
+          </a:solidFill>
+          <a:ln w="0">
+            <a:solidFill>
+              <a:schemeClr val="accent6"/>
+            </a:solidFill>
+          </a:ln>
+        </p:spPr>
+        <p:style>
+          <a:lnRef idx="2">
+            <a:schemeClr val="accent1">
+              <a:shade val="50000"/>
+            </a:schemeClr>
+          </a:lnRef>
+          <a:fillRef idx="1">
+            <a:schemeClr val="accent1"/>
+          </a:fillRef>
+          <a:effectRef idx="0">
+            <a:schemeClr val="accent1"/>
+          </a:effectRef>
+          <a:fontRef idx="minor">
+            <a:schemeClr val="lt1"/>
+          </a:fontRef>
+        </p:style>
+        <p:txBody>
+          <a:bodyPr rtlCol="0" anchor="ctr"/>
+          <a:lstStyle/>
+          <a:p>
+            <a:pPr algn="ctr"/>
+            <a:endParaRPr lang="de-DE"/>
+          </a:p>
+        </p:txBody>
+      </p:sp>
+      <p:cxnSp>
+        <p:nvCxnSpPr>
+          <p:cNvPr id="53" name="Gerade Verbindung mit Pfeil 52">
+            <a:extLst>
+              <a:ext uri="{FF2B5EF4-FFF2-40B4-BE49-F238E27FC236}">
+                <a16:creationId xmlns:a16="http://schemas.microsoft.com/office/drawing/2014/main" id="{523E4F6C-DC0A-4AA6-B185-D998B46AD4A4}"/>
+              </a:ext>
+            </a:extLst>
+          </p:cNvPr>
+          <p:cNvCxnSpPr>
+            <a:cxnSpLocks/>
+            <a:endCxn id="48" idx="0"/>
+          </p:cNvCxnSpPr>
+          <p:nvPr/>
+        </p:nvCxnSpPr>
+        <p:spPr>
+          <a:xfrm>
+            <a:off x="9692316" y="3429000"/>
+            <a:ext cx="0" cy="1247283"/>
+          </a:xfrm>
+          <a:prstGeom prst="straightConnector1">
+            <a:avLst/>
+          </a:prstGeom>
+          <a:ln w="44450">
+            <a:tailEnd type="triangle"/>
+          </a:ln>
+        </p:spPr>
+        <p:style>
+          <a:lnRef idx="1">
+            <a:schemeClr val="accent1"/>
+          </a:lnRef>
+          <a:fillRef idx="0">
+            <a:schemeClr val="accent1"/>
+          </a:fillRef>
+          <a:effectRef idx="0">
+            <a:schemeClr val="accent1"/>
+          </a:effectRef>
+          <a:fontRef idx="minor">
+            <a:schemeClr val="tx1"/>
+          </a:fontRef>
+        </p:style>
+      </p:cxnSp>
+      <p:sp>
+        <p:nvSpPr>
+          <p:cNvPr id="57" name="Textfeld 56">
+            <a:extLst>
+              <a:ext uri="{FF2B5EF4-FFF2-40B4-BE49-F238E27FC236}">
+                <a16:creationId xmlns:a16="http://schemas.microsoft.com/office/drawing/2014/main" id="{8703984B-263E-4AA0-B2E5-099C5E4619B7}"/>
+              </a:ext>
+            </a:extLst>
+          </p:cNvPr>
+          <p:cNvSpPr txBox="1"/>
+          <p:nvPr/>
+        </p:nvSpPr>
+        <p:spPr>
+          <a:xfrm>
+            <a:off x="9631029" y="3973948"/>
+            <a:ext cx="1688333" cy="276999"/>
+          </a:xfrm>
+          <a:prstGeom prst="rect">
+            <a:avLst/>
+          </a:prstGeom>
+          <a:noFill/>
+        </p:spPr>
+        <p:txBody>
+          <a:bodyPr wrap="square" rtlCol="0">
+            <a:spAutoFit/>
+          </a:bodyPr>
+          <a:lstStyle/>
+          <a:p>
+            <a:pPr algn="ctr"/>
+            <a:r>
+              <a:rPr lang="de-DE" b="1" dirty="0">
+                <a:solidFill>
+                  <a:schemeClr val="tx2"/>
+                </a:solidFill>
+              </a:rPr>
+              <a:t>Kann maximal bis</a:t>
+            </a:r>
+          </a:p>
+        </p:txBody>
+      </p:sp>
+      <p:sp>
+        <p:nvSpPr>
+          <p:cNvPr id="58" name="Textfeld 57">
+            <a:extLst>
+              <a:ext uri="{FF2B5EF4-FFF2-40B4-BE49-F238E27FC236}">
+                <a16:creationId xmlns:a16="http://schemas.microsoft.com/office/drawing/2014/main" id="{C7B8B4A7-DA64-4F39-B8D8-55C6D3B043B3}"/>
+              </a:ext>
+            </a:extLst>
+          </p:cNvPr>
+          <p:cNvSpPr txBox="1"/>
+          <p:nvPr/>
+        </p:nvSpPr>
+        <p:spPr>
+          <a:xfrm>
+            <a:off x="6542974" y="1980831"/>
+            <a:ext cx="1688333" cy="276999"/>
+          </a:xfrm>
+          <a:prstGeom prst="rect">
+            <a:avLst/>
+          </a:prstGeom>
+          <a:noFill/>
+        </p:spPr>
+        <p:txBody>
+          <a:bodyPr wrap="square" rtlCol="0">
+            <a:spAutoFit/>
+          </a:bodyPr>
+          <a:lstStyle/>
+          <a:p>
+            <a:pPr algn="ctr"/>
+            <a:r>
+              <a:rPr lang="de-DE" b="1" dirty="0">
+                <a:solidFill>
+                  <a:schemeClr val="tx2"/>
+                </a:solidFill>
+              </a:rPr>
+              <a:t>Läuft nur bis</a:t>
+            </a:r>
+          </a:p>
+        </p:txBody>
+      </p:sp>
     </p:spTree>
     <p:extLst>
       <p:ext uri="{BB962C8B-B14F-4D97-AF65-F5344CB8AC3E}">
@@ -10100,6 +10539,84 @@
           <a:bodyPr/>
           <a:lstStyle/>
           <a:p>
+            <a:r>
+              <a:rPr lang="de-DE" dirty="0"/>
+              <a:t>Py2.7 Funktionen starten immer (solange die entsprechenden Pfade </a:t>
+            </a:r>
+            <a:r>
+              <a:rPr lang="de-DE" dirty="0" err="1"/>
+              <a:t>gesourced</a:t>
+            </a:r>
+            <a:r>
+              <a:rPr lang="de-DE" dirty="0"/>
+              <a:t> sind)</a:t>
+            </a:r>
+          </a:p>
+          <a:p>
+            <a:r>
+              <a:rPr lang="de-DE" dirty="0"/>
+              <a:t>Laut Kausalkette benötigen wir also das ganze Programm als Py3.5 Instanz</a:t>
+            </a:r>
+          </a:p>
+          <a:p>
+            <a:r>
+              <a:rPr lang="de-DE" dirty="0"/>
+              <a:t>Alle Tools zur Berechnung der Entfernung eines Menschen sind als Py3.5 kaum auffindbar oder nicht vorhanden</a:t>
+            </a:r>
+          </a:p>
+          <a:p>
+            <a:r>
+              <a:rPr lang="de-DE" dirty="0"/>
+              <a:t>Idee in Absprache mit Bernd: Zunächst eine Benchmark durchführen, um dann zu entscheiden, ob sich der Aufwand lohnt bzw. um Vergleiche zu ziehen</a:t>
+            </a:r>
+          </a:p>
+          <a:p>
+            <a:r>
+              <a:rPr lang="de-DE" dirty="0"/>
+              <a:t>Implementierung am Alf erfolgreich jedoch mit viel Schweiß und Tränen (die </a:t>
+            </a:r>
+            <a:r>
+              <a:rPr lang="de-DE" dirty="0" err="1"/>
+              <a:t>cv_bridge</a:t>
+            </a:r>
+            <a:r>
+              <a:rPr lang="de-DE" dirty="0"/>
+              <a:t> Installation musste über ein für Py3.5 kreierten </a:t>
+            </a:r>
+            <a:r>
+              <a:rPr lang="de-DE" dirty="0" err="1"/>
+              <a:t>Catkin</a:t>
+            </a:r>
+            <a:r>
+              <a:rPr lang="de-DE" dirty="0"/>
+              <a:t> Ordner </a:t>
+            </a:r>
+            <a:r>
+              <a:rPr lang="de-DE" dirty="0" err="1"/>
+              <a:t>gebuilded</a:t>
+            </a:r>
+            <a:r>
+              <a:rPr lang="de-DE" dirty="0"/>
+              <a:t> werden…in der </a:t>
+            </a:r>
+            <a:r>
+              <a:rPr lang="de-DE" dirty="0" err="1"/>
+              <a:t>Cmakelist</a:t>
+            </a:r>
+            <a:r>
+              <a:rPr lang="de-DE" dirty="0"/>
+              <a:t> musste „Python3“ durch „Python-py3.5“ ausgetauscht werden und Py2.7 aus dem PYTHONPATH genommen werden)                                             </a:t>
+            </a:r>
+            <a:r>
+              <a:rPr lang="de-DE" dirty="0" err="1"/>
+              <a:t>Benchmarkergebnisse</a:t>
+            </a:r>
+            <a:r>
+              <a:rPr lang="de-DE" dirty="0"/>
+              <a:t> gleich…</a:t>
+            </a:r>
+          </a:p>
+          <a:p>
             <a:endParaRPr lang="de-DE" dirty="0"/>
           </a:p>
         </p:txBody>
@@ -10119,7 +10636,10 @@
           <a:bodyPr/>
           <a:lstStyle/>
           <a:p>
-            <a:endParaRPr lang="de-DE" dirty="0"/>
+            <a:r>
+              <a:rPr lang="de-DE" dirty="0"/>
+              <a:t>Na wenn alles klar ist…dann mal los…Aber</a:t>
+            </a:r>
           </a:p>
         </p:txBody>
       </p:sp>
@@ -10164,6 +10684,461 @@
               <a:rPr lang="de-DE" smtClean="0"/>
               <a:pPr/>
               <a:t>4</a:t>
+            </a:fld>
+            <a:endParaRPr lang="de-DE" dirty="0"/>
+          </a:p>
+        </p:txBody>
+      </p:sp>
+      <p:sp>
+        <p:nvSpPr>
+          <p:cNvPr id="9" name="Datumsplatzhalter 8"/>
+          <p:cNvSpPr>
+            <a:spLocks noGrp="1"/>
+          </p:cNvSpPr>
+          <p:nvPr>
+            <p:ph type="dt" sz="half" idx="2"/>
+          </p:nvPr>
+        </p:nvSpPr>
+        <p:spPr/>
+        <p:txBody>
+          <a:bodyPr/>
+          <a:lstStyle/>
+          <a:p>
+            <a:r>
+              <a:rPr lang="de-DE"/>
+              <a:t>10.2019</a:t>
+            </a:r>
+            <a:endParaRPr lang="de-DE" dirty="0"/>
+          </a:p>
+        </p:txBody>
+      </p:sp>
+      <p:pic>
+        <p:nvPicPr>
+          <p:cNvPr id="5" name="Grafik 4" descr="Ein Bild, das Zeichnung enthält.&#10;&#10;Automatisch generierte Beschreibung">
+            <a:extLst>
+              <a:ext uri="{FF2B5EF4-FFF2-40B4-BE49-F238E27FC236}">
+                <a16:creationId xmlns:a16="http://schemas.microsoft.com/office/drawing/2014/main" id="{60FACD8C-1DB8-4A7E-8E37-4FAA94F7AD13}"/>
+              </a:ext>
+            </a:extLst>
+          </p:cNvPr>
+          <p:cNvPicPr>
+            <a:picLocks noChangeAspect="1"/>
+          </p:cNvPicPr>
+          <p:nvPr/>
+        </p:nvPicPr>
+        <p:blipFill>
+          <a:blip r:embed="rId2" cstate="print">
+            <a:extLst>
+              <a:ext uri="{28A0092B-C50C-407E-A947-70E740481C1C}">
+                <a14:useLocalDpi xmlns:a14="http://schemas.microsoft.com/office/drawing/2010/main" val="0"/>
+              </a:ext>
+            </a:extLst>
+          </a:blip>
+          <a:stretch>
+            <a:fillRect/>
+          </a:stretch>
+        </p:blipFill>
+        <p:spPr>
+          <a:xfrm>
+            <a:off x="1713090" y="3787572"/>
+            <a:ext cx="2633134" cy="2569685"/>
+          </a:xfrm>
+          <a:prstGeom prst="rect">
+            <a:avLst/>
+          </a:prstGeom>
+        </p:spPr>
+      </p:pic>
+    </p:spTree>
+    <p:extLst>
+      <p:ext uri="{BB962C8B-B14F-4D97-AF65-F5344CB8AC3E}">
+        <p14:creationId xmlns:p14="http://schemas.microsoft.com/office/powerpoint/2010/main" val="2055107098"/>
+      </p:ext>
+    </p:extLst>
+  </p:cSld>
+  <p:clrMapOvr>
+    <a:masterClrMapping/>
+  </p:clrMapOvr>
+</p:sld>
+</file>
+
+<file path=ppt/slides/slide5.xml><?xml version="1.0" encoding="utf-8"?>
+<p:sld xmlns:a="http://schemas.openxmlformats.org/drawingml/2006/main" xmlns:r="http://schemas.openxmlformats.org/officeDocument/2006/relationships" xmlns:p="http://schemas.openxmlformats.org/presentationml/2006/main">
+  <p:cSld>
+    <p:spTree>
+      <p:nvGrpSpPr>
+        <p:cNvPr id="1" name=""/>
+        <p:cNvGrpSpPr/>
+        <p:nvPr/>
+      </p:nvGrpSpPr>
+      <p:grpSpPr>
+        <a:xfrm>
+          <a:off x="0" y="0"/>
+          <a:ext cx="0" cy="0"/>
+          <a:chOff x="0" y="0"/>
+          <a:chExt cx="0" cy="0"/>
+        </a:xfrm>
+      </p:grpSpPr>
+      <p:sp>
+        <p:nvSpPr>
+          <p:cNvPr id="4" name="Inhaltsplatzhalter 3"/>
+          <p:cNvSpPr>
+            <a:spLocks noGrp="1"/>
+          </p:cNvSpPr>
+          <p:nvPr>
+            <p:ph sz="quarter" idx="13"/>
+          </p:nvPr>
+        </p:nvSpPr>
+        <p:spPr>
+          <a:xfrm>
+            <a:off x="360000" y="884238"/>
+            <a:ext cx="11469600" cy="5473019"/>
+          </a:xfrm>
+        </p:spPr>
+        <p:txBody>
+          <a:bodyPr/>
+          <a:lstStyle/>
+          <a:p>
+            <a:r>
+              <a:rPr lang="de-DE" dirty="0"/>
+              <a:t>Gute Zeiten lt. Benchmark auf Alf</a:t>
+            </a:r>
+          </a:p>
+          <a:p>
+            <a:pPr lvl="1"/>
+            <a:r>
+              <a:rPr lang="de-DE" dirty="0"/>
+              <a:t>Über Import </a:t>
+            </a:r>
+            <a:r>
+              <a:rPr lang="de-DE" dirty="0" err="1"/>
+              <a:t>Tensorflow</a:t>
+            </a:r>
+            <a:r>
+              <a:rPr lang="de-DE" dirty="0"/>
+              <a:t>: Kaum schneller als </a:t>
+            </a:r>
+            <a:r>
+              <a:rPr lang="de-DE" dirty="0" err="1"/>
+              <a:t>Caffeemodel</a:t>
+            </a:r>
+            <a:r>
+              <a:rPr lang="de-DE" dirty="0"/>
+              <a:t> (CM 1s – TF 0.8s)</a:t>
+            </a:r>
+          </a:p>
+          <a:p>
+            <a:pPr lvl="1"/>
+            <a:r>
+              <a:rPr lang="de-DE" dirty="0"/>
+              <a:t>Über </a:t>
+            </a:r>
+            <a:r>
+              <a:rPr lang="de-DE" dirty="0" err="1"/>
+              <a:t>TFLite</a:t>
+            </a:r>
+            <a:r>
+              <a:rPr lang="de-DE" dirty="0"/>
+              <a:t> </a:t>
+            </a:r>
+            <a:r>
+              <a:rPr lang="de-DE" dirty="0" err="1"/>
+              <a:t>Runtime</a:t>
+            </a:r>
+            <a:r>
+              <a:rPr lang="de-DE" dirty="0"/>
+              <a:t>: Doppelt so schnell (ca. 0.4s)</a:t>
+            </a:r>
+          </a:p>
+          <a:p>
+            <a:pPr lvl="1"/>
+            <a:r>
+              <a:rPr lang="de-DE" dirty="0"/>
+              <a:t>Lohnt sich nun der Aufwand? Diese Frage stelle ich mir weil…</a:t>
+            </a:r>
+          </a:p>
+          <a:p>
+            <a:endParaRPr lang="de-DE" dirty="0"/>
+          </a:p>
+          <a:p>
+            <a:r>
+              <a:rPr lang="de-DE" dirty="0"/>
+              <a:t>Schlechte Zeiten durch bisher gescheitertes </a:t>
+            </a:r>
+            <a:r>
+              <a:rPr lang="de-DE" dirty="0" err="1"/>
+              <a:t>Deployment</a:t>
+            </a:r>
+            <a:r>
+              <a:rPr lang="de-DE" dirty="0"/>
+              <a:t> auf Pi</a:t>
+            </a:r>
+          </a:p>
+          <a:p>
+            <a:pPr lvl="1"/>
+            <a:r>
+              <a:rPr lang="de-DE" dirty="0"/>
+              <a:t>Selbe Vorgehensweise wie am Alf jedoch sehr wilde Fehler (Libraries fehlen usw. Fehlersuche läuft seit Tagen mit neues OS etc.)</a:t>
+            </a:r>
+          </a:p>
+          <a:p>
+            <a:pPr lvl="1"/>
+            <a:r>
+              <a:rPr lang="de-DE" dirty="0"/>
+              <a:t>Meine momentane Einstellung zum Pi: </a:t>
+            </a:r>
+          </a:p>
+          <a:p>
+            <a:pPr marL="0" indent="0">
+              <a:buNone/>
+            </a:pPr>
+            <a:r>
+              <a:rPr lang="de-DE" dirty="0"/>
+              <a:t>	</a:t>
+            </a:r>
+          </a:p>
+        </p:txBody>
+      </p:sp>
+      <p:sp>
+        <p:nvSpPr>
+          <p:cNvPr id="2" name="Titel 1"/>
+          <p:cNvSpPr>
+            <a:spLocks noGrp="1"/>
+          </p:cNvSpPr>
+          <p:nvPr>
+            <p:ph type="title"/>
+          </p:nvPr>
+        </p:nvSpPr>
+        <p:spPr/>
+        <p:txBody>
+          <a:bodyPr/>
+          <a:lstStyle/>
+          <a:p>
+            <a:r>
+              <a:rPr lang="de-DE" dirty="0"/>
+              <a:t>Gute Zeiten, schlechte Zeiten</a:t>
+            </a:r>
+          </a:p>
+        </p:txBody>
+      </p:sp>
+      <p:sp>
+        <p:nvSpPr>
+          <p:cNvPr id="6" name="Fußzeilenplatzhalter 5"/>
+          <p:cNvSpPr>
+            <a:spLocks noGrp="1"/>
+          </p:cNvSpPr>
+          <p:nvPr>
+            <p:ph type="ftr" sz="quarter" idx="3"/>
+          </p:nvPr>
+        </p:nvSpPr>
+        <p:spPr/>
+        <p:txBody>
+          <a:bodyPr/>
+          <a:lstStyle/>
+          <a:p>
+            <a:r>
+              <a:rPr lang="de-DE" dirty="0"/>
+              <a:t>Informationen zur Modeling Guideline</a:t>
+            </a:r>
+          </a:p>
+        </p:txBody>
+      </p:sp>
+      <p:sp>
+        <p:nvSpPr>
+          <p:cNvPr id="7" name="Foliennummernplatzhalter 6"/>
+          <p:cNvSpPr>
+            <a:spLocks noGrp="1"/>
+          </p:cNvSpPr>
+          <p:nvPr>
+            <p:ph type="sldNum" sz="quarter" idx="4"/>
+          </p:nvPr>
+        </p:nvSpPr>
+        <p:spPr/>
+        <p:txBody>
+          <a:bodyPr/>
+          <a:lstStyle/>
+          <a:p>
+            <a:fld id="{369A084B-84B6-4F15-B0F5-CCDC4176846B}" type="slidenum">
+              <a:rPr lang="de-DE" smtClean="0"/>
+              <a:pPr/>
+              <a:t>5</a:t>
+            </a:fld>
+            <a:endParaRPr lang="de-DE" dirty="0"/>
+          </a:p>
+        </p:txBody>
+      </p:sp>
+      <p:sp>
+        <p:nvSpPr>
+          <p:cNvPr id="9" name="Datumsplatzhalter 8"/>
+          <p:cNvSpPr>
+            <a:spLocks noGrp="1"/>
+          </p:cNvSpPr>
+          <p:nvPr>
+            <p:ph type="dt" sz="half" idx="2"/>
+          </p:nvPr>
+        </p:nvSpPr>
+        <p:spPr/>
+        <p:txBody>
+          <a:bodyPr/>
+          <a:lstStyle/>
+          <a:p>
+            <a:r>
+              <a:rPr lang="de-DE"/>
+              <a:t>10.2019</a:t>
+            </a:r>
+            <a:endParaRPr lang="de-DE" dirty="0"/>
+          </a:p>
+        </p:txBody>
+      </p:sp>
+      <p:pic>
+        <p:nvPicPr>
+          <p:cNvPr id="5" name="Grafik 4" descr="Ein Bild, das Essen enthält.&#10;&#10;Automatisch generierte Beschreibung">
+            <a:extLst>
+              <a:ext uri="{FF2B5EF4-FFF2-40B4-BE49-F238E27FC236}">
+                <a16:creationId xmlns:a16="http://schemas.microsoft.com/office/drawing/2014/main" id="{5656026C-1B50-4AF2-85CE-D6991C05C1E6}"/>
+              </a:ext>
+            </a:extLst>
+          </p:cNvPr>
+          <p:cNvPicPr>
+            <a:picLocks noChangeAspect="1"/>
+          </p:cNvPicPr>
+          <p:nvPr/>
+        </p:nvPicPr>
+        <p:blipFill>
+          <a:blip r:embed="rId2">
+            <a:extLst>
+              <a:ext uri="{28A0092B-C50C-407E-A947-70E740481C1C}">
+                <a14:useLocalDpi xmlns:a14="http://schemas.microsoft.com/office/drawing/2010/main" val="0"/>
+              </a:ext>
+            </a:extLst>
+          </a:blip>
+          <a:stretch>
+            <a:fillRect/>
+          </a:stretch>
+        </p:blipFill>
+        <p:spPr>
+          <a:xfrm>
+            <a:off x="6637866" y="3632964"/>
+            <a:ext cx="3433234" cy="2838140"/>
+          </a:xfrm>
+          <a:prstGeom prst="rect">
+            <a:avLst/>
+          </a:prstGeom>
+        </p:spPr>
+      </p:pic>
+    </p:spTree>
+    <p:extLst>
+      <p:ext uri="{BB962C8B-B14F-4D97-AF65-F5344CB8AC3E}">
+        <p14:creationId xmlns:p14="http://schemas.microsoft.com/office/powerpoint/2010/main" val="1853004267"/>
+      </p:ext>
+    </p:extLst>
+  </p:cSld>
+  <p:clrMapOvr>
+    <a:masterClrMapping/>
+  </p:clrMapOvr>
+</p:sld>
+</file>
+
+<file path=ppt/slides/slide6.xml><?xml version="1.0" encoding="utf-8"?>
+<p:sld xmlns:a="http://schemas.openxmlformats.org/drawingml/2006/main" xmlns:r="http://schemas.openxmlformats.org/officeDocument/2006/relationships" xmlns:p="http://schemas.openxmlformats.org/presentationml/2006/main">
+  <p:cSld>
+    <p:spTree>
+      <p:nvGrpSpPr>
+        <p:cNvPr id="1" name=""/>
+        <p:cNvGrpSpPr/>
+        <p:nvPr/>
+      </p:nvGrpSpPr>
+      <p:grpSpPr>
+        <a:xfrm>
+          <a:off x="0" y="0"/>
+          <a:ext cx="0" cy="0"/>
+          <a:chOff x="0" y="0"/>
+          <a:chExt cx="0" cy="0"/>
+        </a:xfrm>
+      </p:grpSpPr>
+      <p:sp>
+        <p:nvSpPr>
+          <p:cNvPr id="4" name="Inhaltsplatzhalter 3"/>
+          <p:cNvSpPr>
+            <a:spLocks noGrp="1"/>
+          </p:cNvSpPr>
+          <p:nvPr>
+            <p:ph sz="quarter" idx="13"/>
+          </p:nvPr>
+        </p:nvSpPr>
+        <p:spPr>
+          <a:xfrm>
+            <a:off x="360000" y="884238"/>
+            <a:ext cx="11469600" cy="5473019"/>
+          </a:xfrm>
+        </p:spPr>
+        <p:txBody>
+          <a:bodyPr/>
+          <a:lstStyle/>
+          <a:p>
+            <a:endParaRPr lang="de-DE" dirty="0"/>
+          </a:p>
+        </p:txBody>
+      </p:sp>
+      <p:sp>
+        <p:nvSpPr>
+          <p:cNvPr id="2" name="Titel 1"/>
+          <p:cNvSpPr>
+            <a:spLocks noGrp="1"/>
+          </p:cNvSpPr>
+          <p:nvPr>
+            <p:ph type="title"/>
+          </p:nvPr>
+        </p:nvSpPr>
+        <p:spPr/>
+        <p:txBody>
+          <a:bodyPr/>
+          <a:lstStyle/>
+          <a:p>
+            <a:endParaRPr lang="de-DE" dirty="0"/>
+          </a:p>
+        </p:txBody>
+      </p:sp>
+      <p:sp>
+        <p:nvSpPr>
+          <p:cNvPr id="6" name="Fußzeilenplatzhalter 5"/>
+          <p:cNvSpPr>
+            <a:spLocks noGrp="1"/>
+          </p:cNvSpPr>
+          <p:nvPr>
+            <p:ph type="ftr" sz="quarter" idx="3"/>
+          </p:nvPr>
+        </p:nvSpPr>
+        <p:spPr/>
+        <p:txBody>
+          <a:bodyPr/>
+          <a:lstStyle/>
+          <a:p>
+            <a:r>
+              <a:rPr lang="de-DE" dirty="0"/>
+              <a:t>Informationen zur Modeling Guideline</a:t>
+            </a:r>
+          </a:p>
+        </p:txBody>
+      </p:sp>
+      <p:sp>
+        <p:nvSpPr>
+          <p:cNvPr id="7" name="Foliennummernplatzhalter 6"/>
+          <p:cNvSpPr>
+            <a:spLocks noGrp="1"/>
+          </p:cNvSpPr>
+          <p:nvPr>
+            <p:ph type="sldNum" sz="quarter" idx="4"/>
+          </p:nvPr>
+        </p:nvSpPr>
+        <p:spPr/>
+        <p:txBody>
+          <a:bodyPr/>
+          <a:lstStyle/>
+          <a:p>
+            <a:fld id="{369A084B-84B6-4F15-B0F5-CCDC4176846B}" type="slidenum">
+              <a:rPr lang="de-DE" smtClean="0"/>
+              <a:pPr/>
+              <a:t>6</a:t>
             </a:fld>
             <a:endParaRPr lang="de-DE" dirty="0"/>
           </a:p>
@@ -10644,16 +11619,6 @@
 
 <file path=customXml/item1.xml><?xml version="1.0" encoding="utf-8"?>
 <?mso-contentType ?>
-<customXsn xmlns="http://schemas.microsoft.com/office/2006/metadata/customXsn">
-  <xsnLocation/>
-  <cached>True</cached>
-  <openByDefault>True</openByDefault>
-  <xsnScope/>
-</customXsn>
-</file>
-
-<file path=customXml/item2.xml><?xml version="1.0" encoding="utf-8"?>
-<?mso-contentType ?>
 <spe:Receivers xmlns:spe="http://schemas.microsoft.com/sharepoint/events">
   <Receiver>
     <Name>Document ID Generator</Name>
@@ -10702,13 +11667,46 @@
 </spe:Receivers>
 </file>
 
+<file path=customXml/item2.xml><?xml version="1.0" encoding="utf-8"?>
+<?mso-contentType ?>
+<customXsn xmlns="http://schemas.microsoft.com/office/2006/metadata/customXsn">
+  <xsnLocation/>
+  <cached>True</cached>
+  <openByDefault>True</openByDefault>
+  <xsnScope/>
+</customXsn>
+</file>
+
 <file path=customXml/item3.xml><?xml version="1.0" encoding="utf-8"?>
-<?mso-contentType ?>
-<FormTemplates xmlns="http://schemas.microsoft.com/sharepoint/v3/contenttype/forms">
-  <Display>DocumentLibraryForm</Display>
-  <Edit>DocumentLibraryForm</Edit>
-  <New>DocumentLibraryForm</New>
-</FormTemplates>
+<p:properties xmlns:p="http://schemas.microsoft.com/office/2006/metadata/properties" xmlns:xsi="http://www.w3.org/2001/XMLSchema-instance" xmlns:pc="http://schemas.microsoft.com/office/infopath/2007/PartnerControls">
+  <documentManagement>
+    <n472ea6ee43248479fb8bd9165cf026a xmlns="b85a9d60-6535-41ad-bf5c-23a8b594cd63">
+      <Terms xmlns="http://schemas.microsoft.com/office/infopath/2007/PartnerControls">
+        <TermInfo xmlns="http://schemas.microsoft.com/office/infopath/2007/PartnerControls">
+          <TermName xmlns="http://schemas.microsoft.com/office/infopath/2007/PartnerControls">Vorlage</TermName>
+          <TermId xmlns="http://schemas.microsoft.com/office/infopath/2007/PartnerControls">f9f550ab-d043-4f5a-97bd-52764d9a66d8</TermId>
+        </TermInfo>
+      </Terms>
+    </n472ea6ee43248479fb8bd9165cf026a>
+    <_dlc_DocId xmlns="ed5c7061-1de8-4387-89c6-d21a66c01b33">SMMQM-2-392</_dlc_DocId>
+    <_dlc_DocIdUrl xmlns="ed5c7061-1de8-4387-89c6-d21a66c01b33">
+      <Url>https://qm.smart-mechatronics.de/_layouts/15/DocIdRedir.aspx?ID=SMMQM-2-392</Url>
+      <Description>SMMQM-2-392</Description>
+    </_dlc_DocIdUrl>
+    <TaxCatchAll xmlns="ed5c7061-1de8-4387-89c6-d21a66c01b33">
+      <Value>1</Value>
+    </TaxCatchAll>
+    <l228be0177a34db3828e80e3fa65188a xmlns="b85a9d60-6535-41ad-bf5c-23a8b594cd63">
+      <Terms xmlns="http://schemas.microsoft.com/office/infopath/2007/PartnerControls"/>
+    </l228be0177a34db3828e80e3fa65188a>
+    <TaxKeywordTaxHTField xmlns="ed5c7061-1de8-4387-89c6-d21a66c01b33">
+      <Terms xmlns="http://schemas.microsoft.com/office/infopath/2007/PartnerControls"/>
+    </TaxKeywordTaxHTField>
+    <baca3e887ca7480a9d7450c9bf4a3684 xmlns="b85a9d60-6535-41ad-bf5c-23a8b594cd63">
+      <Terms xmlns="http://schemas.microsoft.com/office/infopath/2007/PartnerControls"/>
+    </baca3e887ca7480a9d7450c9bf4a3684>
+  </documentManagement>
+</p:properties>
 </file>
 
 <file path=customXml/item4.xml><?xml version="1.0" encoding="utf-8"?>
@@ -10926,38 +11924,23 @@
 </file>
 
 <file path=customXml/item5.xml><?xml version="1.0" encoding="utf-8"?>
-<p:properties xmlns:p="http://schemas.microsoft.com/office/2006/metadata/properties" xmlns:xsi="http://www.w3.org/2001/XMLSchema-instance" xmlns:pc="http://schemas.microsoft.com/office/infopath/2007/PartnerControls">
-  <documentManagement>
-    <n472ea6ee43248479fb8bd9165cf026a xmlns="b85a9d60-6535-41ad-bf5c-23a8b594cd63">
-      <Terms xmlns="http://schemas.microsoft.com/office/infopath/2007/PartnerControls">
-        <TermInfo xmlns="http://schemas.microsoft.com/office/infopath/2007/PartnerControls">
-          <TermName xmlns="http://schemas.microsoft.com/office/infopath/2007/PartnerControls">Vorlage</TermName>
-          <TermId xmlns="http://schemas.microsoft.com/office/infopath/2007/PartnerControls">f9f550ab-d043-4f5a-97bd-52764d9a66d8</TermId>
-        </TermInfo>
-      </Terms>
-    </n472ea6ee43248479fb8bd9165cf026a>
-    <_dlc_DocId xmlns="ed5c7061-1de8-4387-89c6-d21a66c01b33">SMMQM-2-392</_dlc_DocId>
-    <_dlc_DocIdUrl xmlns="ed5c7061-1de8-4387-89c6-d21a66c01b33">
-      <Url>https://qm.smart-mechatronics.de/_layouts/15/DocIdRedir.aspx?ID=SMMQM-2-392</Url>
-      <Description>SMMQM-2-392</Description>
-    </_dlc_DocIdUrl>
-    <TaxCatchAll xmlns="ed5c7061-1de8-4387-89c6-d21a66c01b33">
-      <Value>1</Value>
-    </TaxCatchAll>
-    <l228be0177a34db3828e80e3fa65188a xmlns="b85a9d60-6535-41ad-bf5c-23a8b594cd63">
-      <Terms xmlns="http://schemas.microsoft.com/office/infopath/2007/PartnerControls"/>
-    </l228be0177a34db3828e80e3fa65188a>
-    <TaxKeywordTaxHTField xmlns="ed5c7061-1de8-4387-89c6-d21a66c01b33">
-      <Terms xmlns="http://schemas.microsoft.com/office/infopath/2007/PartnerControls"/>
-    </TaxKeywordTaxHTField>
-    <baca3e887ca7480a9d7450c9bf4a3684 xmlns="b85a9d60-6535-41ad-bf5c-23a8b594cd63">
-      <Terms xmlns="http://schemas.microsoft.com/office/infopath/2007/PartnerControls"/>
-    </baca3e887ca7480a9d7450c9bf4a3684>
-  </documentManagement>
-</p:properties>
+<?mso-contentType ?>
+<FormTemplates xmlns="http://schemas.microsoft.com/sharepoint/v3/contenttype/forms">
+  <Display>DocumentLibraryForm</Display>
+  <Edit>DocumentLibraryForm</Edit>
+  <New>DocumentLibraryForm</New>
+</FormTemplates>
 </file>
 
 <file path=customXml/itemProps1.xml><?xml version="1.0" encoding="utf-8"?>
+<ds:datastoreItem xmlns:ds="http://schemas.openxmlformats.org/officeDocument/2006/customXml" ds:itemID="{0783E0A9-D953-4B7B-BC87-E5F4BA76F061}">
+  <ds:schemaRefs>
+    <ds:schemaRef ds:uri="http://schemas.microsoft.com/sharepoint/events"/>
+  </ds:schemaRefs>
+</ds:datastoreItem>
+</file>
+
+<file path=customXml/itemProps2.xml><?xml version="1.0" encoding="utf-8"?>
 <ds:datastoreItem xmlns:ds="http://schemas.openxmlformats.org/officeDocument/2006/customXml" ds:itemID="{783BD3D0-EE3E-4A15-8667-6519756E537D}">
   <ds:schemaRefs>
     <ds:schemaRef ds:uri="http://schemas.microsoft.com/office/2006/metadata/customXsn"/>
@@ -10965,18 +11948,19 @@
 </ds:datastoreItem>
 </file>
 
-<file path=customXml/itemProps2.xml><?xml version="1.0" encoding="utf-8"?>
-<ds:datastoreItem xmlns:ds="http://schemas.openxmlformats.org/officeDocument/2006/customXml" ds:itemID="{0783E0A9-D953-4B7B-BC87-E5F4BA76F061}">
+<file path=customXml/itemProps3.xml><?xml version="1.0" encoding="utf-8"?>
+<ds:datastoreItem xmlns:ds="http://schemas.openxmlformats.org/officeDocument/2006/customXml" ds:itemID="{29940796-2B28-46D6-A019-405D01B8DF60}">
   <ds:schemaRefs>
-    <ds:schemaRef ds:uri="http://schemas.microsoft.com/sharepoint/events"/>
-  </ds:schemaRefs>
-</ds:datastoreItem>
-</file>
-
-<file path=customXml/itemProps3.xml><?xml version="1.0" encoding="utf-8"?>
-<ds:datastoreItem xmlns:ds="http://schemas.openxmlformats.org/officeDocument/2006/customXml" ds:itemID="{933AE78F-1762-4C8A-B000-A5B2FC0C6AC7}">
-  <ds:schemaRefs>
-    <ds:schemaRef ds:uri="http://schemas.microsoft.com/sharepoint/v3/contenttype/forms"/>
+    <ds:schemaRef ds:uri="http://purl.org/dc/terms/"/>
+    <ds:schemaRef ds:uri="b85a9d60-6535-41ad-bf5c-23a8b594cd63"/>
+    <ds:schemaRef ds:uri="ed5c7061-1de8-4387-89c6-d21a66c01b33"/>
+    <ds:schemaRef ds:uri="http://schemas.microsoft.com/office/2006/documentManagement/types"/>
+    <ds:schemaRef ds:uri="http://schemas.openxmlformats.org/package/2006/metadata/core-properties"/>
+    <ds:schemaRef ds:uri="http://purl.org/dc/elements/1.1/"/>
+    <ds:schemaRef ds:uri="http://schemas.microsoft.com/office/2006/metadata/properties"/>
+    <ds:schemaRef ds:uri="http://schemas.microsoft.com/office/infopath/2007/PartnerControls"/>
+    <ds:schemaRef ds:uri="http://www.w3.org/XML/1998/namespace"/>
+    <ds:schemaRef ds:uri="http://purl.org/dc/dcmitype/"/>
   </ds:schemaRefs>
 </ds:datastoreItem>
 </file>
@@ -11001,18 +11985,9 @@
 </file>
 
 <file path=customXml/itemProps5.xml><?xml version="1.0" encoding="utf-8"?>
-<ds:datastoreItem xmlns:ds="http://schemas.openxmlformats.org/officeDocument/2006/customXml" ds:itemID="{29940796-2B28-46D6-A019-405D01B8DF60}">
+<ds:datastoreItem xmlns:ds="http://schemas.openxmlformats.org/officeDocument/2006/customXml" ds:itemID="{933AE78F-1762-4C8A-B000-A5B2FC0C6AC7}">
   <ds:schemaRefs>
-    <ds:schemaRef ds:uri="http://purl.org/dc/terms/"/>
-    <ds:schemaRef ds:uri="b85a9d60-6535-41ad-bf5c-23a8b594cd63"/>
-    <ds:schemaRef ds:uri="ed5c7061-1de8-4387-89c6-d21a66c01b33"/>
-    <ds:schemaRef ds:uri="http://schemas.microsoft.com/office/2006/documentManagement/types"/>
-    <ds:schemaRef ds:uri="http://schemas.openxmlformats.org/package/2006/metadata/core-properties"/>
-    <ds:schemaRef ds:uri="http://purl.org/dc/elements/1.1/"/>
-    <ds:schemaRef ds:uri="http://schemas.microsoft.com/office/2006/metadata/properties"/>
-    <ds:schemaRef ds:uri="http://schemas.microsoft.com/office/infopath/2007/PartnerControls"/>
-    <ds:schemaRef ds:uri="http://www.w3.org/XML/1998/namespace"/>
-    <ds:schemaRef ds:uri="http://purl.org/dc/dcmitype/"/>
+    <ds:schemaRef ds:uri="http://schemas.microsoft.com/sharepoint/v3/contenttype/forms"/>
   </ds:schemaRefs>
 </ds:datastoreItem>
 </file>
--- a/Präsentationen/Vorlage.pptx
+++ b/Präsentationen/Vorlage.pptx
@@ -284,7 +284,7 @@
           <a:p>
             <a:fld id="{B2255D82-92B1-4EBA-AF01-9D30101EF318}" type="datetimeFigureOut">
               <a:rPr lang="de-DE" smtClean="0"/>
-              <a:t>09.07.20</a:t>
+              <a:t>27.08.2020</a:t>
             </a:fld>
             <a:endParaRPr lang="de-DE"/>
           </a:p>
@@ -3757,7 +3757,7 @@
           <a:graphicData uri="http://schemas.openxmlformats.org/presentationml/2006/ole">
             <mc:AlternateContent xmlns:mc="http://schemas.openxmlformats.org/markup-compatibility/2006">
               <mc:Choice xmlns:v="urn:schemas-microsoft-com:vml" Requires="v">
-                <p:oleObj spid="_x0000_s11335" name="think-cell Folie" r:id="rId4" imgW="270" imgH="270" progId="TCLayout.ActiveDocument.1">
+                <p:oleObj spid="_x0000_s11337" name="think-cell Folie" r:id="rId4" imgW="270" imgH="270" progId="TCLayout.ActiveDocument.1">
                   <p:embed/>
                 </p:oleObj>
               </mc:Choice>
@@ -6485,7 +6485,7 @@
           <a:graphicData uri="http://schemas.openxmlformats.org/presentationml/2006/ole">
             <mc:AlternateContent xmlns:mc="http://schemas.openxmlformats.org/markup-compatibility/2006">
               <mc:Choice xmlns:v="urn:schemas-microsoft-com:vml" Requires="v">
-                <p:oleObj spid="_x0000_s12359" name="think-cell Folie" r:id="rId4" imgW="270" imgH="270" progId="TCLayout.ActiveDocument.1">
+                <p:oleObj spid="_x0000_s12361" name="think-cell Folie" r:id="rId4" imgW="270" imgH="270" progId="TCLayout.ActiveDocument.1">
                   <p:embed/>
                 </p:oleObj>
               </mc:Choice>
@@ -8894,6 +8894,38 @@
             <a:endParaRPr lang="de-DE" dirty="0"/>
           </a:p>
           <a:p>
+            <a:r>
+              <a:rPr lang="de-DE" dirty="0"/>
+              <a:t>Fragen</a:t>
+            </a:r>
+          </a:p>
+          <a:p>
+            <a:pPr lvl="1"/>
+            <a:r>
+              <a:rPr lang="de-DE" dirty="0"/>
+              <a:t>Gliederung zumindest okay?</a:t>
+            </a:r>
+          </a:p>
+          <a:p>
+            <a:pPr lvl="1"/>
+            <a:r>
+              <a:rPr lang="de-DE" dirty="0"/>
+              <a:t>Anforderungen in Arbeit erwähnen</a:t>
+            </a:r>
+          </a:p>
+          <a:p>
+            <a:pPr lvl="1"/>
+            <a:r>
+              <a:rPr lang="de-DE" dirty="0"/>
+              <a:t>Wie tief geht man noch in bekannte </a:t>
+            </a:r>
+            <a:r>
+              <a:rPr lang="de-DE"/>
+              <a:t>Themen rein?</a:t>
+            </a:r>
+            <a:endParaRPr lang="de-DE" dirty="0"/>
+          </a:p>
+          <a:p>
             <a:pPr lvl="1"/>
             <a:endParaRPr lang="de-DE" dirty="0"/>
           </a:p>
@@ -8916,7 +8948,7 @@
           <a:p>
             <a:r>
               <a:rPr lang="de-DE" dirty="0"/>
-              <a:t>Fragen</a:t>
+              <a:t>Zusammenfassung der Woche</a:t>
             </a:r>
           </a:p>
         </p:txBody>
@@ -9220,121 +9252,113 @@
           <a:p>
             <a:r>
               <a:rPr lang="de-DE" sz="1800" dirty="0"/>
-              <a:t>Erweitern der Trainingsdaten</a:t>
+              <a:t>Training durchgeführt</a:t>
             </a:r>
           </a:p>
           <a:p>
             <a:pPr lvl="1"/>
             <a:r>
               <a:rPr lang="de-DE" sz="1800" dirty="0"/>
-              <a:t>z.B. von „</a:t>
+              <a:t>Vortrainierte Modelle lassen sich in ihrer Struktur nur in Tensorflow1 ändern</a:t>
+            </a:r>
+          </a:p>
+          <a:p>
+            <a:pPr lvl="1"/>
+            <a:r>
+              <a:rPr lang="de-DE" sz="1800" dirty="0"/>
+              <a:t>Zuhause auf </a:t>
             </a:r>
             <a:r>
               <a:rPr lang="de-DE" sz="1800" dirty="0" err="1"/>
-              <a:t>drive</a:t>
+              <a:t>Nvidia</a:t>
             </a:r>
             <a:r>
               <a:rPr lang="de-DE" sz="1800" dirty="0"/>
-              <a:t> </a:t>
+              <a:t> 2070 </a:t>
             </a:r>
             <a:r>
               <a:rPr lang="de-DE" sz="1800" dirty="0" err="1"/>
-              <a:t>to</a:t>
-            </a:r>
-            <a:r>
-              <a:rPr lang="de-DE" sz="1800" dirty="0"/>
-              <a:t> </a:t>
-            </a:r>
-            <a:r>
-              <a:rPr lang="de-DE" sz="1800" dirty="0" err="1"/>
-              <a:t>location</a:t>
-            </a:r>
-            <a:r>
-              <a:rPr lang="de-DE" sz="1800" dirty="0"/>
-              <a:t> </a:t>
-            </a:r>
-            <a:r>
-              <a:rPr lang="de-DE" sz="1800" dirty="0" err="1"/>
-              <a:t>beta</a:t>
-            </a:r>
-            <a:r>
-              <a:rPr lang="de-DE" sz="1800" dirty="0"/>
-              <a:t>“ zu „</a:t>
-            </a:r>
-            <a:r>
-              <a:rPr lang="de-DE" sz="1800" dirty="0" err="1"/>
-              <a:t>drive</a:t>
-            </a:r>
-            <a:r>
-              <a:rPr lang="de-DE" sz="1800" dirty="0"/>
-              <a:t> </a:t>
-            </a:r>
-            <a:r>
-              <a:rPr lang="de-DE" sz="1800" dirty="0" err="1"/>
-              <a:t>to</a:t>
-            </a:r>
-            <a:r>
-              <a:rPr lang="de-DE" sz="1800" dirty="0"/>
-              <a:t> </a:t>
-            </a:r>
-            <a:r>
-              <a:rPr lang="de-DE" sz="1800" dirty="0" err="1"/>
-              <a:t>location</a:t>
-            </a:r>
-            <a:r>
-              <a:rPr lang="de-DE" sz="1800" dirty="0"/>
-              <a:t> </a:t>
-            </a:r>
-            <a:r>
-              <a:rPr lang="de-DE" sz="1800" dirty="0" err="1"/>
-              <a:t>alpha</a:t>
-            </a:r>
-            <a:r>
-              <a:rPr lang="de-DE" sz="1800" dirty="0"/>
-              <a:t> </a:t>
-            </a:r>
-            <a:r>
-              <a:rPr lang="de-DE" sz="1800" dirty="0" err="1"/>
-              <a:t>trf</a:t>
-            </a:r>
-            <a:r>
-              <a:rPr lang="de-DE" sz="1800" dirty="0"/>
-              <a:t> t </a:t>
-            </a:r>
-            <a:r>
-              <a:rPr lang="de-DE" sz="1800" dirty="0" err="1"/>
-              <a:t>lkxn</a:t>
-            </a:r>
-            <a:r>
-              <a:rPr lang="de-DE" sz="1800" dirty="0"/>
-              <a:t> </a:t>
-            </a:r>
-            <a:r>
-              <a:rPr lang="de-DE" sz="1800" dirty="0" err="1"/>
-              <a:t>pt</a:t>
-            </a:r>
-            <a:r>
-              <a:rPr lang="de-DE" sz="1800" dirty="0"/>
-              <a:t>“</a:t>
+              <a:t>trainiert</a:t>
+            </a:r>
+            <a:r>
+              <a:rPr lang="de-DE" sz="1800" dirty="0" err="1">
+                <a:sym typeface="Wingdings" panose="05000000000000000000" pitchFamily="2" charset="2"/>
+              </a:rPr>
+              <a:t>nach</a:t>
+            </a:r>
+            <a:r>
+              <a:rPr lang="de-DE" sz="1800" dirty="0">
+                <a:sym typeface="Wingdings" panose="05000000000000000000" pitchFamily="2" charset="2"/>
+              </a:rPr>
+              <a:t> ca. 12 Stunden fertig</a:t>
             </a:r>
           </a:p>
           <a:p>
             <a:pPr lvl="1"/>
             <a:r>
-              <a:rPr lang="de-DE" sz="1800" dirty="0"/>
-              <a:t>Anschließend </a:t>
-            </a:r>
-            <a:r>
-              <a:rPr lang="de-DE" sz="1800" dirty="0" err="1"/>
-              <a:t>transkript</a:t>
-            </a:r>
-            <a:r>
-              <a:rPr lang="de-DE" sz="1800" dirty="0"/>
-              <a:t> um phonetischen Teil erweitern und Klassifizierung starten</a:t>
+              <a:rPr lang="de-DE" sz="1800" dirty="0">
+                <a:sym typeface="Wingdings" panose="05000000000000000000" pitchFamily="2" charset="2"/>
+              </a:rPr>
+              <a:t>Alf auf </a:t>
+            </a:r>
+            <a:r>
+              <a:rPr lang="de-DE" sz="1800" dirty="0" err="1">
+                <a:sym typeface="Wingdings" panose="05000000000000000000" pitchFamily="2" charset="2"/>
+              </a:rPr>
+              <a:t>CPUtrainiert</a:t>
+            </a:r>
+            <a:r>
+              <a:rPr lang="de-DE" sz="1800" dirty="0">
+                <a:sym typeface="Wingdings" panose="05000000000000000000" pitchFamily="2" charset="2"/>
+              </a:rPr>
+              <a:t> seit einer Woche und ist noch nicht fertig</a:t>
+            </a:r>
+          </a:p>
+          <a:p>
+            <a:endParaRPr lang="de-DE" sz="1800" dirty="0">
+              <a:sym typeface="Wingdings" panose="05000000000000000000" pitchFamily="2" charset="2"/>
+            </a:endParaRPr>
+          </a:p>
+          <a:p>
+            <a:r>
+              <a:rPr lang="de-DE" sz="1800" dirty="0">
+                <a:sym typeface="Wingdings" panose="05000000000000000000" pitchFamily="2" charset="2"/>
+              </a:rPr>
+              <a:t>Problem</a:t>
             </a:r>
           </a:p>
           <a:p>
             <a:pPr lvl="1"/>
+            <a:r>
+              <a:rPr lang="de-DE" sz="1800" dirty="0">
+                <a:sym typeface="Wingdings" panose="05000000000000000000" pitchFamily="2" charset="2"/>
+              </a:rPr>
+              <a:t>Umwandlung von </a:t>
+            </a:r>
+            <a:r>
+              <a:rPr lang="de-DE" sz="1800" dirty="0" err="1">
+                <a:sym typeface="Wingdings" panose="05000000000000000000" pitchFamily="2" charset="2"/>
+              </a:rPr>
+              <a:t>saved_model.pb</a:t>
+            </a:r>
+            <a:r>
+              <a:rPr lang="de-DE" sz="1800" dirty="0">
+                <a:sym typeface="Wingdings" panose="05000000000000000000" pitchFamily="2" charset="2"/>
+              </a:rPr>
+              <a:t> in </a:t>
+            </a:r>
+            <a:r>
+              <a:rPr lang="de-DE" sz="1800" dirty="0" err="1">
+                <a:sym typeface="Wingdings" panose="05000000000000000000" pitchFamily="2" charset="2"/>
+              </a:rPr>
+              <a:t>tflite</a:t>
+            </a:r>
+            <a:r>
+              <a:rPr lang="de-DE" sz="1800" dirty="0">
+                <a:sym typeface="Wingdings" panose="05000000000000000000" pitchFamily="2" charset="2"/>
+              </a:rPr>
+              <a:t> endet in einer Fehlermeldung </a:t>
+            </a:r>
             <a:endParaRPr lang="de-DE" sz="1800" dirty="0"/>
           </a:p>
           <a:p>
@@ -9832,15 +9856,6 @@
 </file>
 
 <file path=customXml/item1.xml><?xml version="1.0" encoding="utf-8"?>
-<?mso-contentType ?>
-<FormTemplates xmlns="http://schemas.microsoft.com/sharepoint/v3/contenttype/forms">
-  <Display>DocumentLibraryForm</Display>
-  <Edit>DocumentLibraryForm</Edit>
-  <New>DocumentLibraryForm</New>
-</FormTemplates>
-</file>
-
-<file path=customXml/item2.xml><?xml version="1.0" encoding="utf-8"?>
 <ct:contentTypeSchema xmlns:ct="http://schemas.microsoft.com/office/2006/metadata/contentType" xmlns:ma="http://schemas.microsoft.com/office/2006/metadata/properties/metaAttributes" ct:_="" ma:_="" ma:contentTypeName="Dokument" ma:contentTypeID="0x010100ABBD9003812289408EA7333BCACF44FC" ma:contentTypeVersion="12" ma:contentTypeDescription="Ein neues Dokument erstellen." ma:contentTypeScope="" ma:versionID="0c5c1046a88a933084f5a8197ebf6a23">
   <xsd:schema xmlns:xsd="http://www.w3.org/2001/XMLSchema" xmlns:xs="http://www.w3.org/2001/XMLSchema" xmlns:p="http://schemas.microsoft.com/office/2006/metadata/properties" xmlns:ns2="b85a9d60-6535-41ad-bf5c-23a8b594cd63" xmlns:ns3="ed5c7061-1de8-4387-89c6-d21a66c01b33" targetNamespace="http://schemas.microsoft.com/office/2006/metadata/properties" ma:root="true" ma:fieldsID="f2895043163c27cc329504fc8636e150" ns2:_="" ns3:_="">
     <xsd:import namespace="b85a9d60-6535-41ad-bf5c-23a8b594cd63"/>
@@ -10054,49 +10069,16 @@
 </ct:contentTypeSchema>
 </file>
 
-<file path=customXml/item3.xml><?xml version="1.0" encoding="utf-8"?>
-<p:properties xmlns:p="http://schemas.microsoft.com/office/2006/metadata/properties" xmlns:xsi="http://www.w3.org/2001/XMLSchema-instance" xmlns:pc="http://schemas.microsoft.com/office/infopath/2007/PartnerControls">
-  <documentManagement>
-    <n472ea6ee43248479fb8bd9165cf026a xmlns="b85a9d60-6535-41ad-bf5c-23a8b594cd63">
-      <Terms xmlns="http://schemas.microsoft.com/office/infopath/2007/PartnerControls">
-        <TermInfo xmlns="http://schemas.microsoft.com/office/infopath/2007/PartnerControls">
-          <TermName xmlns="http://schemas.microsoft.com/office/infopath/2007/PartnerControls">Vorlage</TermName>
-          <TermId xmlns="http://schemas.microsoft.com/office/infopath/2007/PartnerControls">f9f550ab-d043-4f5a-97bd-52764d9a66d8</TermId>
-        </TermInfo>
-      </Terms>
-    </n472ea6ee43248479fb8bd9165cf026a>
-    <_dlc_DocId xmlns="ed5c7061-1de8-4387-89c6-d21a66c01b33">SMMQM-2-392</_dlc_DocId>
-    <_dlc_DocIdUrl xmlns="ed5c7061-1de8-4387-89c6-d21a66c01b33">
-      <Url>https://qm.smart-mechatronics.de/_layouts/15/DocIdRedir.aspx?ID=SMMQM-2-392</Url>
-      <Description>SMMQM-2-392</Description>
-    </_dlc_DocIdUrl>
-    <TaxCatchAll xmlns="ed5c7061-1de8-4387-89c6-d21a66c01b33">
-      <Value>1</Value>
-    </TaxCatchAll>
-    <l228be0177a34db3828e80e3fa65188a xmlns="b85a9d60-6535-41ad-bf5c-23a8b594cd63">
-      <Terms xmlns="http://schemas.microsoft.com/office/infopath/2007/PartnerControls"/>
-    </l228be0177a34db3828e80e3fa65188a>
-    <TaxKeywordTaxHTField xmlns="ed5c7061-1de8-4387-89c6-d21a66c01b33">
-      <Terms xmlns="http://schemas.microsoft.com/office/infopath/2007/PartnerControls"/>
-    </TaxKeywordTaxHTField>
-    <baca3e887ca7480a9d7450c9bf4a3684 xmlns="b85a9d60-6535-41ad-bf5c-23a8b594cd63">
-      <Terms xmlns="http://schemas.microsoft.com/office/infopath/2007/PartnerControls"/>
-    </baca3e887ca7480a9d7450c9bf4a3684>
-  </documentManagement>
-</p:properties>
+<file path=customXml/item2.xml><?xml version="1.0" encoding="utf-8"?>
+<?mso-contentType ?>
+<FormTemplates xmlns="http://schemas.microsoft.com/sharepoint/v3/contenttype/forms">
+  <Display>DocumentLibraryForm</Display>
+  <Edit>DocumentLibraryForm</Edit>
+  <New>DocumentLibraryForm</New>
+</FormTemplates>
 </file>
 
-<file path=customXml/item4.xml><?xml version="1.0" encoding="utf-8"?>
-<?mso-contentType ?>
-<customXsn xmlns="http://schemas.microsoft.com/office/2006/metadata/customXsn">
-  <xsnLocation/>
-  <cached>True</cached>
-  <openByDefault>True</openByDefault>
-  <xsnScope/>
-</customXsn>
-</file>
-
-<file path=customXml/item5.xml><?xml version="1.0" encoding="utf-8"?>
+<file path=customXml/item3.xml><?xml version="1.0" encoding="utf-8"?>
 <?mso-contentType ?>
 <spe:Receivers xmlns:spe="http://schemas.microsoft.com/sharepoint/events">
   <Receiver>
@@ -10146,15 +10128,49 @@
 </spe:Receivers>
 </file>
 
-<file path=customXml/itemProps1.xml><?xml version="1.0" encoding="utf-8"?>
-<ds:datastoreItem xmlns:ds="http://schemas.openxmlformats.org/officeDocument/2006/customXml" ds:itemID="{933AE78F-1762-4C8A-B000-A5B2FC0C6AC7}">
-  <ds:schemaRefs>
-    <ds:schemaRef ds:uri="http://schemas.microsoft.com/sharepoint/v3/contenttype/forms"/>
-  </ds:schemaRefs>
-</ds:datastoreItem>
+<file path=customXml/item4.xml><?xml version="1.0" encoding="utf-8"?>
+<?mso-contentType ?>
+<customXsn xmlns="http://schemas.microsoft.com/office/2006/metadata/customXsn">
+  <xsnLocation/>
+  <cached>True</cached>
+  <openByDefault>True</openByDefault>
+  <xsnScope/>
+</customXsn>
 </file>
 
-<file path=customXml/itemProps2.xml><?xml version="1.0" encoding="utf-8"?>
+<file path=customXml/item5.xml><?xml version="1.0" encoding="utf-8"?>
+<p:properties xmlns:p="http://schemas.microsoft.com/office/2006/metadata/properties" xmlns:xsi="http://www.w3.org/2001/XMLSchema-instance" xmlns:pc="http://schemas.microsoft.com/office/infopath/2007/PartnerControls">
+  <documentManagement>
+    <n472ea6ee43248479fb8bd9165cf026a xmlns="b85a9d60-6535-41ad-bf5c-23a8b594cd63">
+      <Terms xmlns="http://schemas.microsoft.com/office/infopath/2007/PartnerControls">
+        <TermInfo xmlns="http://schemas.microsoft.com/office/infopath/2007/PartnerControls">
+          <TermName xmlns="http://schemas.microsoft.com/office/infopath/2007/PartnerControls">Vorlage</TermName>
+          <TermId xmlns="http://schemas.microsoft.com/office/infopath/2007/PartnerControls">f9f550ab-d043-4f5a-97bd-52764d9a66d8</TermId>
+        </TermInfo>
+      </Terms>
+    </n472ea6ee43248479fb8bd9165cf026a>
+    <_dlc_DocId xmlns="ed5c7061-1de8-4387-89c6-d21a66c01b33">SMMQM-2-392</_dlc_DocId>
+    <_dlc_DocIdUrl xmlns="ed5c7061-1de8-4387-89c6-d21a66c01b33">
+      <Url>https://qm.smart-mechatronics.de/_layouts/15/DocIdRedir.aspx?ID=SMMQM-2-392</Url>
+      <Description>SMMQM-2-392</Description>
+    </_dlc_DocIdUrl>
+    <TaxCatchAll xmlns="ed5c7061-1de8-4387-89c6-d21a66c01b33">
+      <Value>1</Value>
+    </TaxCatchAll>
+    <l228be0177a34db3828e80e3fa65188a xmlns="b85a9d60-6535-41ad-bf5c-23a8b594cd63">
+      <Terms xmlns="http://schemas.microsoft.com/office/infopath/2007/PartnerControls"/>
+    </l228be0177a34db3828e80e3fa65188a>
+    <TaxKeywordTaxHTField xmlns="ed5c7061-1de8-4387-89c6-d21a66c01b33">
+      <Terms xmlns="http://schemas.microsoft.com/office/infopath/2007/PartnerControls"/>
+    </TaxKeywordTaxHTField>
+    <baca3e887ca7480a9d7450c9bf4a3684 xmlns="b85a9d60-6535-41ad-bf5c-23a8b594cd63">
+      <Terms xmlns="http://schemas.microsoft.com/office/infopath/2007/PartnerControls"/>
+    </baca3e887ca7480a9d7450c9bf4a3684>
+  </documentManagement>
+</p:properties>
+</file>
+
+<file path=customXml/itemProps1.xml><?xml version="1.0" encoding="utf-8"?>
 <ds:datastoreItem xmlns:ds="http://schemas.openxmlformats.org/officeDocument/2006/customXml" ds:itemID="{ECA8B933-44D9-4902-90F1-BC93213D16AC}">
   <ds:schemaRefs>
     <ds:schemaRef ds:uri="http://schemas.microsoft.com/office/2006/metadata/contentType"/>
@@ -10173,7 +10189,31 @@
 </ds:datastoreItem>
 </file>
 
+<file path=customXml/itemProps2.xml><?xml version="1.0" encoding="utf-8"?>
+<ds:datastoreItem xmlns:ds="http://schemas.openxmlformats.org/officeDocument/2006/customXml" ds:itemID="{933AE78F-1762-4C8A-B000-A5B2FC0C6AC7}">
+  <ds:schemaRefs>
+    <ds:schemaRef ds:uri="http://schemas.microsoft.com/sharepoint/v3/contenttype/forms"/>
+  </ds:schemaRefs>
+</ds:datastoreItem>
+</file>
+
 <file path=customXml/itemProps3.xml><?xml version="1.0" encoding="utf-8"?>
+<ds:datastoreItem xmlns:ds="http://schemas.openxmlformats.org/officeDocument/2006/customXml" ds:itemID="{0783E0A9-D953-4B7B-BC87-E5F4BA76F061}">
+  <ds:schemaRefs>
+    <ds:schemaRef ds:uri="http://schemas.microsoft.com/sharepoint/events"/>
+  </ds:schemaRefs>
+</ds:datastoreItem>
+</file>
+
+<file path=customXml/itemProps4.xml><?xml version="1.0" encoding="utf-8"?>
+<ds:datastoreItem xmlns:ds="http://schemas.openxmlformats.org/officeDocument/2006/customXml" ds:itemID="{783BD3D0-EE3E-4A15-8667-6519756E537D}">
+  <ds:schemaRefs>
+    <ds:schemaRef ds:uri="http://schemas.microsoft.com/office/2006/metadata/customXsn"/>
+  </ds:schemaRefs>
+</ds:datastoreItem>
+</file>
+
+<file path=customXml/itemProps5.xml><?xml version="1.0" encoding="utf-8"?>
 <ds:datastoreItem xmlns:ds="http://schemas.openxmlformats.org/officeDocument/2006/customXml" ds:itemID="{29940796-2B28-46D6-A019-405D01B8DF60}">
   <ds:schemaRefs>
     <ds:schemaRef ds:uri="http://purl.org/dc/terms/"/>
@@ -10188,20 +10228,4 @@
     <ds:schemaRef ds:uri="http://purl.org/dc/dcmitype/"/>
   </ds:schemaRefs>
 </ds:datastoreItem>
-</file>
-
-<file path=customXml/itemProps4.xml><?xml version="1.0" encoding="utf-8"?>
-<ds:datastoreItem xmlns:ds="http://schemas.openxmlformats.org/officeDocument/2006/customXml" ds:itemID="{783BD3D0-EE3E-4A15-8667-6519756E537D}">
-  <ds:schemaRefs>
-    <ds:schemaRef ds:uri="http://schemas.microsoft.com/office/2006/metadata/customXsn"/>
-  </ds:schemaRefs>
-</ds:datastoreItem>
-</file>
-
-<file path=customXml/itemProps5.xml><?xml version="1.0" encoding="utf-8"?>
-<ds:datastoreItem xmlns:ds="http://schemas.openxmlformats.org/officeDocument/2006/customXml" ds:itemID="{0783E0A9-D953-4B7B-BC87-E5F4BA76F061}">
-  <ds:schemaRefs>
-    <ds:schemaRef ds:uri="http://schemas.microsoft.com/sharepoint/events"/>
-  </ds:schemaRefs>
-</ds:datastoreItem>
 </file>